--- a/mapa de empatia.pptx
+++ b/mapa de empatia.pptx
@@ -105,6 +105,11 @@
       </a:defRPr>
     </a:lvl9pPr>
   </p:defaultTextStyle>
+  <p:extLst>
+    <p:ext uri="{EFAFB233-063F-42B5-8137-9DF3F51BA10A}">
+      <p15:sldGuideLst xmlns:p15="http://schemas.microsoft.com/office/powerpoint/2012/main"/>
+    </p:ext>
+  </p:extLst>
 </p:presentation>
 </file>
 
@@ -309,9 +314,38 @@
           <a:p>
             <a:fld id="{FFEEABED-7E63-4AD1-9BDA-DEAF82B7AAB0}" type="slidenum">
               <a:rPr lang="pt-BR" smtClean="0"/>
-              <a:t>‹nº›</a:t>
+              <a:t>‹#›</a:t>
             </a:fld>
             <a:endParaRPr lang="pt-BR"/>
+          </a:p>
+        </p:txBody>
+      </p:sp>
+      <p:sp>
+        <p:nvSpPr>
+          <p:cNvPr id="7" name="DataClassificationLabel"/>
+          <p:cNvSpPr txBox="1"/>
+          <p:nvPr userDrawn="1"/>
+        </p:nvSpPr>
+        <p:spPr>
+          <a:xfrm>
+            <a:off x="9144000" y="6629400"/>
+            <a:ext cx="2540000" cy="169277"/>
+          </a:xfrm>
+          <a:prstGeom prst="rect">
+            <a:avLst/>
+          </a:prstGeom>
+          <a:noFill/>
+        </p:spPr>
+        <p:txBody>
+          <a:bodyPr vert="horz" rIns="0" bIns="0" rtlCol="0">
+            <a:spAutoFit/>
+          </a:bodyPr>
+          <a:lstStyle/>
+          <a:p>
+            <a:pPr algn="r"/>
+            <a:endParaRPr lang="pt-BR" sz="800" b="0">
+              <a:latin typeface="Arial" panose="020B0604020202020204" pitchFamily="34" charset="0"/>
+            </a:endParaRPr>
           </a:p>
         </p:txBody>
       </p:sp>
@@ -507,9 +541,38 @@
           <a:p>
             <a:fld id="{FFEEABED-7E63-4AD1-9BDA-DEAF82B7AAB0}" type="slidenum">
               <a:rPr lang="pt-BR" smtClean="0"/>
-              <a:t>‹nº›</a:t>
+              <a:t>‹#›</a:t>
             </a:fld>
             <a:endParaRPr lang="pt-BR"/>
+          </a:p>
+        </p:txBody>
+      </p:sp>
+      <p:sp>
+        <p:nvSpPr>
+          <p:cNvPr id="7" name="DataClassificationLabel"/>
+          <p:cNvSpPr txBox="1"/>
+          <p:nvPr userDrawn="1"/>
+        </p:nvSpPr>
+        <p:spPr>
+          <a:xfrm>
+            <a:off x="9144000" y="6629400"/>
+            <a:ext cx="2540000" cy="169277"/>
+          </a:xfrm>
+          <a:prstGeom prst="rect">
+            <a:avLst/>
+          </a:prstGeom>
+          <a:noFill/>
+        </p:spPr>
+        <p:txBody>
+          <a:bodyPr vert="horz" rIns="0" bIns="0" rtlCol="0">
+            <a:spAutoFit/>
+          </a:bodyPr>
+          <a:lstStyle/>
+          <a:p>
+            <a:pPr algn="r"/>
+            <a:endParaRPr lang="pt-BR" sz="800" b="0">
+              <a:latin typeface="Arial" panose="020B0604020202020204" pitchFamily="34" charset="0"/>
+            </a:endParaRPr>
           </a:p>
         </p:txBody>
       </p:sp>
@@ -715,9 +778,38 @@
           <a:p>
             <a:fld id="{FFEEABED-7E63-4AD1-9BDA-DEAF82B7AAB0}" type="slidenum">
               <a:rPr lang="pt-BR" smtClean="0"/>
-              <a:t>‹nº›</a:t>
+              <a:t>‹#›</a:t>
             </a:fld>
             <a:endParaRPr lang="pt-BR"/>
+          </a:p>
+        </p:txBody>
+      </p:sp>
+      <p:sp>
+        <p:nvSpPr>
+          <p:cNvPr id="7" name="DataClassificationLabel"/>
+          <p:cNvSpPr txBox="1"/>
+          <p:nvPr userDrawn="1"/>
+        </p:nvSpPr>
+        <p:spPr>
+          <a:xfrm>
+            <a:off x="9144000" y="6629400"/>
+            <a:ext cx="2540000" cy="169277"/>
+          </a:xfrm>
+          <a:prstGeom prst="rect">
+            <a:avLst/>
+          </a:prstGeom>
+          <a:noFill/>
+        </p:spPr>
+        <p:txBody>
+          <a:bodyPr vert="horz" rIns="0" bIns="0" rtlCol="0">
+            <a:spAutoFit/>
+          </a:bodyPr>
+          <a:lstStyle/>
+          <a:p>
+            <a:pPr algn="r"/>
+            <a:endParaRPr lang="pt-BR" sz="800" b="0">
+              <a:latin typeface="Arial" panose="020B0604020202020204" pitchFamily="34" charset="0"/>
+            </a:endParaRPr>
           </a:p>
         </p:txBody>
       </p:sp>
@@ -913,9 +1005,38 @@
           <a:p>
             <a:fld id="{FFEEABED-7E63-4AD1-9BDA-DEAF82B7AAB0}" type="slidenum">
               <a:rPr lang="pt-BR" smtClean="0"/>
-              <a:t>‹nº›</a:t>
+              <a:t>‹#›</a:t>
             </a:fld>
             <a:endParaRPr lang="pt-BR"/>
+          </a:p>
+        </p:txBody>
+      </p:sp>
+      <p:sp>
+        <p:nvSpPr>
+          <p:cNvPr id="7" name="DataClassificationLabel"/>
+          <p:cNvSpPr txBox="1"/>
+          <p:nvPr userDrawn="1"/>
+        </p:nvSpPr>
+        <p:spPr>
+          <a:xfrm>
+            <a:off x="9144000" y="6629400"/>
+            <a:ext cx="2540000" cy="169277"/>
+          </a:xfrm>
+          <a:prstGeom prst="rect">
+            <a:avLst/>
+          </a:prstGeom>
+          <a:noFill/>
+        </p:spPr>
+        <p:txBody>
+          <a:bodyPr vert="horz" rIns="0" bIns="0" rtlCol="0">
+            <a:spAutoFit/>
+          </a:bodyPr>
+          <a:lstStyle/>
+          <a:p>
+            <a:pPr algn="r"/>
+            <a:endParaRPr lang="pt-BR" sz="800" b="0">
+              <a:latin typeface="Arial" panose="020B0604020202020204" pitchFamily="34" charset="0"/>
+            </a:endParaRPr>
           </a:p>
         </p:txBody>
       </p:sp>
@@ -1188,9 +1309,38 @@
           <a:p>
             <a:fld id="{FFEEABED-7E63-4AD1-9BDA-DEAF82B7AAB0}" type="slidenum">
               <a:rPr lang="pt-BR" smtClean="0"/>
-              <a:t>‹nº›</a:t>
+              <a:t>‹#›</a:t>
             </a:fld>
             <a:endParaRPr lang="pt-BR"/>
+          </a:p>
+        </p:txBody>
+      </p:sp>
+      <p:sp>
+        <p:nvSpPr>
+          <p:cNvPr id="7" name="DataClassificationLabel"/>
+          <p:cNvSpPr txBox="1"/>
+          <p:nvPr userDrawn="1"/>
+        </p:nvSpPr>
+        <p:spPr>
+          <a:xfrm>
+            <a:off x="9144000" y="6629400"/>
+            <a:ext cx="2540000" cy="169277"/>
+          </a:xfrm>
+          <a:prstGeom prst="rect">
+            <a:avLst/>
+          </a:prstGeom>
+          <a:noFill/>
+        </p:spPr>
+        <p:txBody>
+          <a:bodyPr vert="horz" rIns="0" bIns="0" rtlCol="0">
+            <a:spAutoFit/>
+          </a:bodyPr>
+          <a:lstStyle/>
+          <a:p>
+            <a:pPr algn="r"/>
+            <a:endParaRPr lang="pt-BR" sz="800" b="0">
+              <a:latin typeface="Arial" panose="020B0604020202020204" pitchFamily="34" charset="0"/>
+            </a:endParaRPr>
           </a:p>
         </p:txBody>
       </p:sp>
@@ -1453,9 +1603,38 @@
           <a:p>
             <a:fld id="{FFEEABED-7E63-4AD1-9BDA-DEAF82B7AAB0}" type="slidenum">
               <a:rPr lang="pt-BR" smtClean="0"/>
-              <a:t>‹nº›</a:t>
+              <a:t>‹#›</a:t>
             </a:fld>
             <a:endParaRPr lang="pt-BR"/>
+          </a:p>
+        </p:txBody>
+      </p:sp>
+      <p:sp>
+        <p:nvSpPr>
+          <p:cNvPr id="8" name="DataClassificationLabel"/>
+          <p:cNvSpPr txBox="1"/>
+          <p:nvPr userDrawn="1"/>
+        </p:nvSpPr>
+        <p:spPr>
+          <a:xfrm>
+            <a:off x="9144000" y="6629400"/>
+            <a:ext cx="2540000" cy="169277"/>
+          </a:xfrm>
+          <a:prstGeom prst="rect">
+            <a:avLst/>
+          </a:prstGeom>
+          <a:noFill/>
+        </p:spPr>
+        <p:txBody>
+          <a:bodyPr vert="horz" rIns="0" bIns="0" rtlCol="0">
+            <a:spAutoFit/>
+          </a:bodyPr>
+          <a:lstStyle/>
+          <a:p>
+            <a:pPr algn="r"/>
+            <a:endParaRPr lang="pt-BR" sz="800" b="0">
+              <a:latin typeface="Arial" panose="020B0604020202020204" pitchFamily="34" charset="0"/>
+            </a:endParaRPr>
           </a:p>
         </p:txBody>
       </p:sp>
@@ -1865,9 +2044,38 @@
           <a:p>
             <a:fld id="{FFEEABED-7E63-4AD1-9BDA-DEAF82B7AAB0}" type="slidenum">
               <a:rPr lang="pt-BR" smtClean="0"/>
-              <a:t>‹nº›</a:t>
+              <a:t>‹#›</a:t>
             </a:fld>
             <a:endParaRPr lang="pt-BR"/>
+          </a:p>
+        </p:txBody>
+      </p:sp>
+      <p:sp>
+        <p:nvSpPr>
+          <p:cNvPr id="10" name="DataClassificationLabel"/>
+          <p:cNvSpPr txBox="1"/>
+          <p:nvPr userDrawn="1"/>
+        </p:nvSpPr>
+        <p:spPr>
+          <a:xfrm>
+            <a:off x="9144000" y="6629400"/>
+            <a:ext cx="2540000" cy="169277"/>
+          </a:xfrm>
+          <a:prstGeom prst="rect">
+            <a:avLst/>
+          </a:prstGeom>
+          <a:noFill/>
+        </p:spPr>
+        <p:txBody>
+          <a:bodyPr vert="horz" rIns="0" bIns="0" rtlCol="0">
+            <a:spAutoFit/>
+          </a:bodyPr>
+          <a:lstStyle/>
+          <a:p>
+            <a:pPr algn="r"/>
+            <a:endParaRPr lang="pt-BR" sz="800" b="0">
+              <a:latin typeface="Arial" panose="020B0604020202020204" pitchFamily="34" charset="0"/>
+            </a:endParaRPr>
           </a:p>
         </p:txBody>
       </p:sp>
@@ -2006,9 +2214,38 @@
           <a:p>
             <a:fld id="{FFEEABED-7E63-4AD1-9BDA-DEAF82B7AAB0}" type="slidenum">
               <a:rPr lang="pt-BR" smtClean="0"/>
-              <a:t>‹nº›</a:t>
+              <a:t>‹#›</a:t>
             </a:fld>
             <a:endParaRPr lang="pt-BR"/>
+          </a:p>
+        </p:txBody>
+      </p:sp>
+      <p:sp>
+        <p:nvSpPr>
+          <p:cNvPr id="6" name="DataClassificationLabel"/>
+          <p:cNvSpPr txBox="1"/>
+          <p:nvPr userDrawn="1"/>
+        </p:nvSpPr>
+        <p:spPr>
+          <a:xfrm>
+            <a:off x="9144000" y="6629400"/>
+            <a:ext cx="2540000" cy="169277"/>
+          </a:xfrm>
+          <a:prstGeom prst="rect">
+            <a:avLst/>
+          </a:prstGeom>
+          <a:noFill/>
+        </p:spPr>
+        <p:txBody>
+          <a:bodyPr vert="horz" rIns="0" bIns="0" rtlCol="0">
+            <a:spAutoFit/>
+          </a:bodyPr>
+          <a:lstStyle/>
+          <a:p>
+            <a:pPr algn="r"/>
+            <a:endParaRPr lang="pt-BR" sz="800" b="0">
+              <a:latin typeface="Arial" panose="020B0604020202020204" pitchFamily="34" charset="0"/>
+            </a:endParaRPr>
           </a:p>
         </p:txBody>
       </p:sp>
@@ -2119,9 +2356,38 @@
           <a:p>
             <a:fld id="{FFEEABED-7E63-4AD1-9BDA-DEAF82B7AAB0}" type="slidenum">
               <a:rPr lang="pt-BR" smtClean="0"/>
-              <a:t>‹nº›</a:t>
+              <a:t>‹#›</a:t>
             </a:fld>
             <a:endParaRPr lang="pt-BR"/>
+          </a:p>
+        </p:txBody>
+      </p:sp>
+      <p:sp>
+        <p:nvSpPr>
+          <p:cNvPr id="5" name="DataClassificationLabel"/>
+          <p:cNvSpPr txBox="1"/>
+          <p:nvPr userDrawn="1"/>
+        </p:nvSpPr>
+        <p:spPr>
+          <a:xfrm>
+            <a:off x="9144000" y="6629400"/>
+            <a:ext cx="2540000" cy="169277"/>
+          </a:xfrm>
+          <a:prstGeom prst="rect">
+            <a:avLst/>
+          </a:prstGeom>
+          <a:noFill/>
+        </p:spPr>
+        <p:txBody>
+          <a:bodyPr vert="horz" rIns="0" bIns="0" rtlCol="0">
+            <a:spAutoFit/>
+          </a:bodyPr>
+          <a:lstStyle/>
+          <a:p>
+            <a:pPr algn="r"/>
+            <a:endParaRPr lang="pt-BR" sz="800" b="0">
+              <a:latin typeface="Arial" panose="020B0604020202020204" pitchFamily="34" charset="0"/>
+            </a:endParaRPr>
           </a:p>
         </p:txBody>
       </p:sp>
@@ -2430,9 +2696,38 @@
           <a:p>
             <a:fld id="{FFEEABED-7E63-4AD1-9BDA-DEAF82B7AAB0}" type="slidenum">
               <a:rPr lang="pt-BR" smtClean="0"/>
-              <a:t>‹nº›</a:t>
+              <a:t>‹#›</a:t>
             </a:fld>
             <a:endParaRPr lang="pt-BR"/>
+          </a:p>
+        </p:txBody>
+      </p:sp>
+      <p:sp>
+        <p:nvSpPr>
+          <p:cNvPr id="8" name="DataClassificationLabel"/>
+          <p:cNvSpPr txBox="1"/>
+          <p:nvPr userDrawn="1"/>
+        </p:nvSpPr>
+        <p:spPr>
+          <a:xfrm>
+            <a:off x="9144000" y="6629400"/>
+            <a:ext cx="2540000" cy="169277"/>
+          </a:xfrm>
+          <a:prstGeom prst="rect">
+            <a:avLst/>
+          </a:prstGeom>
+          <a:noFill/>
+        </p:spPr>
+        <p:txBody>
+          <a:bodyPr vert="horz" rIns="0" bIns="0" rtlCol="0">
+            <a:spAutoFit/>
+          </a:bodyPr>
+          <a:lstStyle/>
+          <a:p>
+            <a:pPr algn="r"/>
+            <a:endParaRPr lang="pt-BR" sz="800" b="0">
+              <a:latin typeface="Arial" panose="020B0604020202020204" pitchFamily="34" charset="0"/>
+            </a:endParaRPr>
           </a:p>
         </p:txBody>
       </p:sp>
@@ -2718,9 +3013,38 @@
           <a:p>
             <a:fld id="{FFEEABED-7E63-4AD1-9BDA-DEAF82B7AAB0}" type="slidenum">
               <a:rPr lang="pt-BR" smtClean="0"/>
-              <a:t>‹nº›</a:t>
+              <a:t>‹#›</a:t>
             </a:fld>
             <a:endParaRPr lang="pt-BR"/>
+          </a:p>
+        </p:txBody>
+      </p:sp>
+      <p:sp>
+        <p:nvSpPr>
+          <p:cNvPr id="8" name="DataClassificationLabel"/>
+          <p:cNvSpPr txBox="1"/>
+          <p:nvPr userDrawn="1"/>
+        </p:nvSpPr>
+        <p:spPr>
+          <a:xfrm>
+            <a:off x="9144000" y="6629400"/>
+            <a:ext cx="2540000" cy="169277"/>
+          </a:xfrm>
+          <a:prstGeom prst="rect">
+            <a:avLst/>
+          </a:prstGeom>
+          <a:noFill/>
+        </p:spPr>
+        <p:txBody>
+          <a:bodyPr vert="horz" rIns="0" bIns="0" rtlCol="0">
+            <a:spAutoFit/>
+          </a:bodyPr>
+          <a:lstStyle/>
+          <a:p>
+            <a:pPr algn="r"/>
+            <a:endParaRPr lang="pt-BR" sz="800" b="0">
+              <a:latin typeface="Arial" panose="020B0604020202020204" pitchFamily="34" charset="0"/>
+            </a:endParaRPr>
           </a:p>
         </p:txBody>
       </p:sp>
@@ -2995,7 +3319,7 @@
           <a:p>
             <a:fld id="{FFEEABED-7E63-4AD1-9BDA-DEAF82B7AAB0}" type="slidenum">
               <a:rPr lang="pt-BR" smtClean="0"/>
-              <a:t>‹nº›</a:t>
+              <a:t>‹#›</a:t>
             </a:fld>
             <a:endParaRPr lang="pt-BR"/>
           </a:p>
@@ -3982,6 +4306,160 @@
           </a:p>
         </p:txBody>
       </p:sp>
+      <p:sp>
+        <p:nvSpPr>
+          <p:cNvPr id="20" name="CaixaDeTexto 26">
+            <a:extLst>
+              <a:ext uri="{FF2B5EF4-FFF2-40B4-BE49-F238E27FC236}">
+                <a16:creationId xmlns:a16="http://schemas.microsoft.com/office/drawing/2014/main" id="{622367C5-F544-478C-B57F-02702DE1A152}"/>
+              </a:ext>
+            </a:extLst>
+          </p:cNvPr>
+          <p:cNvSpPr txBox="1"/>
+          <p:nvPr/>
+        </p:nvSpPr>
+        <p:spPr>
+          <a:xfrm>
+            <a:off x="1050281" y="2661165"/>
+            <a:ext cx="2597778" cy="646331"/>
+          </a:xfrm>
+          <a:prstGeom prst="rect">
+            <a:avLst/>
+          </a:prstGeom>
+          <a:noFill/>
+        </p:spPr>
+        <p:txBody>
+          <a:bodyPr wrap="square" rtlCol="0">
+            <a:spAutoFit/>
+          </a:bodyPr>
+          <a:lstStyle/>
+          <a:p>
+            <a:pPr algn="ctr"/>
+            <a:r>
+              <a:rPr lang="en-US" dirty="0" err="1" smtClean="0"/>
+              <a:t>Pessoas</a:t>
+            </a:r>
+            <a:r>
+              <a:rPr lang="en-US" dirty="0" smtClean="0"/>
+              <a:t> </a:t>
+            </a:r>
+            <a:r>
+              <a:rPr lang="en-US" dirty="0" err="1" smtClean="0"/>
+              <a:t>pedindo</a:t>
+            </a:r>
+            <a:r>
+              <a:rPr lang="en-US" dirty="0" smtClean="0"/>
+              <a:t> para </a:t>
+            </a:r>
+            <a:r>
+              <a:rPr lang="en-US" dirty="0" err="1" smtClean="0"/>
+              <a:t>enviar</a:t>
+            </a:r>
+            <a:r>
+              <a:rPr lang="en-US" dirty="0" smtClean="0"/>
+              <a:t> as </a:t>
+            </a:r>
+            <a:r>
+              <a:rPr lang="en-US" dirty="0" err="1" smtClean="0"/>
+              <a:t>fotos</a:t>
+            </a:r>
+            <a:endParaRPr lang="pt-BR" dirty="0"/>
+          </a:p>
+        </p:txBody>
+      </p:sp>
+      <p:sp>
+        <p:nvSpPr>
+          <p:cNvPr id="24" name="CaixaDeTexto 26">
+            <a:extLst>
+              <a:ext uri="{FF2B5EF4-FFF2-40B4-BE49-F238E27FC236}">
+                <a16:creationId xmlns:a16="http://schemas.microsoft.com/office/drawing/2014/main" id="{622367C5-F544-478C-B57F-02702DE1A152}"/>
+              </a:ext>
+            </a:extLst>
+          </p:cNvPr>
+          <p:cNvSpPr txBox="1"/>
+          <p:nvPr/>
+        </p:nvSpPr>
+        <p:spPr>
+          <a:xfrm>
+            <a:off x="1050281" y="3587180"/>
+            <a:ext cx="2597778" cy="1200329"/>
+          </a:xfrm>
+          <a:prstGeom prst="rect">
+            <a:avLst/>
+          </a:prstGeom>
+          <a:noFill/>
+        </p:spPr>
+        <p:txBody>
+          <a:bodyPr wrap="square" rtlCol="0">
+            <a:spAutoFit/>
+          </a:bodyPr>
+          <a:lstStyle/>
+          <a:p>
+            <a:pPr algn="ctr"/>
+            <a:r>
+              <a:rPr lang="en-US" dirty="0" err="1" smtClean="0"/>
+              <a:t>Pessoas</a:t>
+            </a:r>
+            <a:r>
+              <a:rPr lang="en-US" dirty="0" smtClean="0"/>
+              <a:t> e </a:t>
+            </a:r>
+            <a:r>
+              <a:rPr lang="en-US" dirty="0" err="1" smtClean="0"/>
+              <a:t>reportagens</a:t>
+            </a:r>
+            <a:r>
+              <a:rPr lang="en-US" dirty="0" smtClean="0"/>
+              <a:t> </a:t>
+            </a:r>
+            <a:r>
+              <a:rPr lang="en-US" dirty="0" err="1" smtClean="0"/>
+              <a:t>falando</a:t>
+            </a:r>
+            <a:r>
+              <a:rPr lang="en-US" dirty="0" smtClean="0"/>
+              <a:t> </a:t>
+            </a:r>
+            <a:r>
+              <a:rPr lang="en-US" dirty="0" err="1" smtClean="0"/>
+              <a:t>sobre</a:t>
+            </a:r>
+            <a:r>
+              <a:rPr lang="en-US" dirty="0" smtClean="0"/>
+              <a:t> a utopia </a:t>
+            </a:r>
+            <a:r>
+              <a:rPr lang="en-US" dirty="0" err="1" smtClean="0"/>
+              <a:t>promovida</a:t>
+            </a:r>
+            <a:r>
+              <a:rPr lang="en-US" dirty="0" smtClean="0"/>
+              <a:t> </a:t>
+            </a:r>
+            <a:r>
+              <a:rPr lang="en-US" dirty="0" err="1" smtClean="0"/>
+              <a:t>pelas</a:t>
+            </a:r>
+            <a:r>
+              <a:rPr lang="en-US" dirty="0" smtClean="0"/>
+              <a:t> </a:t>
+            </a:r>
+            <a:r>
+              <a:rPr lang="en-US" dirty="0" err="1" smtClean="0"/>
+              <a:t>redes</a:t>
+            </a:r>
+            <a:r>
+              <a:rPr lang="en-US" dirty="0" smtClean="0"/>
+              <a:t> </a:t>
+            </a:r>
+            <a:r>
+              <a:rPr lang="en-US" dirty="0" err="1" smtClean="0"/>
+              <a:t>sociais</a:t>
+            </a:r>
+            <a:endParaRPr lang="pt-BR" dirty="0"/>
+          </a:p>
+        </p:txBody>
+      </p:sp>
     </p:spTree>
     <p:extLst>
       <p:ext uri="{BB962C8B-B14F-4D97-AF65-F5344CB8AC3E}">

--- a/mapa de empatia.pptx
+++ b/mapa de empatia.pptx
@@ -6,7 +6,6 @@
   </p:sldMasterIdLst>
   <p:sldIdLst>
     <p:sldId id="256" r:id="rId2"/>
-    <p:sldId id="257" r:id="rId3"/>
   </p:sldIdLst>
   <p:sldSz cx="12192000" cy="6858000"/>
   <p:notesSz cx="6858000" cy="9144000"/>
@@ -260,7 +259,7 @@
           <a:p>
             <a:fld id="{7386F441-87CA-4171-91A1-D72CAF80283A}" type="datetimeFigureOut">
               <a:rPr lang="pt-BR" smtClean="0"/>
-              <a:t>02/09/2019</a:t>
+              <a:t>03/09/2019</a:t>
             </a:fld>
             <a:endParaRPr lang="pt-BR"/>
           </a:p>
@@ -314,7 +313,7 @@
           <a:p>
             <a:fld id="{FFEEABED-7E63-4AD1-9BDA-DEAF82B7AAB0}" type="slidenum">
               <a:rPr lang="pt-BR" smtClean="0"/>
-              <a:t>‹#›</a:t>
+              <a:t>‹nº›</a:t>
             </a:fld>
             <a:endParaRPr lang="pt-BR"/>
           </a:p>
@@ -487,7 +486,7 @@
           <a:p>
             <a:fld id="{7386F441-87CA-4171-91A1-D72CAF80283A}" type="datetimeFigureOut">
               <a:rPr lang="pt-BR" smtClean="0"/>
-              <a:t>02/09/2019</a:t>
+              <a:t>03/09/2019</a:t>
             </a:fld>
             <a:endParaRPr lang="pt-BR"/>
           </a:p>
@@ -541,7 +540,7 @@
           <a:p>
             <a:fld id="{FFEEABED-7E63-4AD1-9BDA-DEAF82B7AAB0}" type="slidenum">
               <a:rPr lang="pt-BR" smtClean="0"/>
-              <a:t>‹#›</a:t>
+              <a:t>‹nº›</a:t>
             </a:fld>
             <a:endParaRPr lang="pt-BR"/>
           </a:p>
@@ -724,7 +723,7 @@
           <a:p>
             <a:fld id="{7386F441-87CA-4171-91A1-D72CAF80283A}" type="datetimeFigureOut">
               <a:rPr lang="pt-BR" smtClean="0"/>
-              <a:t>02/09/2019</a:t>
+              <a:t>03/09/2019</a:t>
             </a:fld>
             <a:endParaRPr lang="pt-BR"/>
           </a:p>
@@ -778,7 +777,7 @@
           <a:p>
             <a:fld id="{FFEEABED-7E63-4AD1-9BDA-DEAF82B7AAB0}" type="slidenum">
               <a:rPr lang="pt-BR" smtClean="0"/>
-              <a:t>‹#›</a:t>
+              <a:t>‹nº›</a:t>
             </a:fld>
             <a:endParaRPr lang="pt-BR"/>
           </a:p>
@@ -951,7 +950,7 @@
           <a:p>
             <a:fld id="{7386F441-87CA-4171-91A1-D72CAF80283A}" type="datetimeFigureOut">
               <a:rPr lang="pt-BR" smtClean="0"/>
-              <a:t>02/09/2019</a:t>
+              <a:t>03/09/2019</a:t>
             </a:fld>
             <a:endParaRPr lang="pt-BR"/>
           </a:p>
@@ -1005,7 +1004,7 @@
           <a:p>
             <a:fld id="{FFEEABED-7E63-4AD1-9BDA-DEAF82B7AAB0}" type="slidenum">
               <a:rPr lang="pt-BR" smtClean="0"/>
-              <a:t>‹#›</a:t>
+              <a:t>‹nº›</a:t>
             </a:fld>
             <a:endParaRPr lang="pt-BR"/>
           </a:p>
@@ -1255,7 +1254,7 @@
           <a:p>
             <a:fld id="{7386F441-87CA-4171-91A1-D72CAF80283A}" type="datetimeFigureOut">
               <a:rPr lang="pt-BR" smtClean="0"/>
-              <a:t>02/09/2019</a:t>
+              <a:t>03/09/2019</a:t>
             </a:fld>
             <a:endParaRPr lang="pt-BR"/>
           </a:p>
@@ -1309,7 +1308,7 @@
           <a:p>
             <a:fld id="{FFEEABED-7E63-4AD1-9BDA-DEAF82B7AAB0}" type="slidenum">
               <a:rPr lang="pt-BR" smtClean="0"/>
-              <a:t>‹#›</a:t>
+              <a:t>‹nº›</a:t>
             </a:fld>
             <a:endParaRPr lang="pt-BR"/>
           </a:p>
@@ -1549,7 +1548,7 @@
           <a:p>
             <a:fld id="{7386F441-87CA-4171-91A1-D72CAF80283A}" type="datetimeFigureOut">
               <a:rPr lang="pt-BR" smtClean="0"/>
-              <a:t>02/09/2019</a:t>
+              <a:t>03/09/2019</a:t>
             </a:fld>
             <a:endParaRPr lang="pt-BR"/>
           </a:p>
@@ -1603,7 +1602,7 @@
           <a:p>
             <a:fld id="{FFEEABED-7E63-4AD1-9BDA-DEAF82B7AAB0}" type="slidenum">
               <a:rPr lang="pt-BR" smtClean="0"/>
-              <a:t>‹#›</a:t>
+              <a:t>‹nº›</a:t>
             </a:fld>
             <a:endParaRPr lang="pt-BR"/>
           </a:p>
@@ -1990,7 +1989,7 @@
           <a:p>
             <a:fld id="{7386F441-87CA-4171-91A1-D72CAF80283A}" type="datetimeFigureOut">
               <a:rPr lang="pt-BR" smtClean="0"/>
-              <a:t>02/09/2019</a:t>
+              <a:t>03/09/2019</a:t>
             </a:fld>
             <a:endParaRPr lang="pt-BR"/>
           </a:p>
@@ -2044,7 +2043,7 @@
           <a:p>
             <a:fld id="{FFEEABED-7E63-4AD1-9BDA-DEAF82B7AAB0}" type="slidenum">
               <a:rPr lang="pt-BR" smtClean="0"/>
-              <a:t>‹#›</a:t>
+              <a:t>‹nº›</a:t>
             </a:fld>
             <a:endParaRPr lang="pt-BR"/>
           </a:p>
@@ -2160,7 +2159,7 @@
           <a:p>
             <a:fld id="{7386F441-87CA-4171-91A1-D72CAF80283A}" type="datetimeFigureOut">
               <a:rPr lang="pt-BR" smtClean="0"/>
-              <a:t>02/09/2019</a:t>
+              <a:t>03/09/2019</a:t>
             </a:fld>
             <a:endParaRPr lang="pt-BR"/>
           </a:p>
@@ -2214,7 +2213,7 @@
           <a:p>
             <a:fld id="{FFEEABED-7E63-4AD1-9BDA-DEAF82B7AAB0}" type="slidenum">
               <a:rPr lang="pt-BR" smtClean="0"/>
-              <a:t>‹#›</a:t>
+              <a:t>‹nº›</a:t>
             </a:fld>
             <a:endParaRPr lang="pt-BR"/>
           </a:p>
@@ -2302,7 +2301,7 @@
           <a:p>
             <a:fld id="{7386F441-87CA-4171-91A1-D72CAF80283A}" type="datetimeFigureOut">
               <a:rPr lang="pt-BR" smtClean="0"/>
-              <a:t>02/09/2019</a:t>
+              <a:t>03/09/2019</a:t>
             </a:fld>
             <a:endParaRPr lang="pt-BR"/>
           </a:p>
@@ -2356,7 +2355,7 @@
           <a:p>
             <a:fld id="{FFEEABED-7E63-4AD1-9BDA-DEAF82B7AAB0}" type="slidenum">
               <a:rPr lang="pt-BR" smtClean="0"/>
-              <a:t>‹#›</a:t>
+              <a:t>‹nº›</a:t>
             </a:fld>
             <a:endParaRPr lang="pt-BR"/>
           </a:p>
@@ -2642,7 +2641,7 @@
           <a:p>
             <a:fld id="{7386F441-87CA-4171-91A1-D72CAF80283A}" type="datetimeFigureOut">
               <a:rPr lang="pt-BR" smtClean="0"/>
-              <a:t>02/09/2019</a:t>
+              <a:t>03/09/2019</a:t>
             </a:fld>
             <a:endParaRPr lang="pt-BR"/>
           </a:p>
@@ -2696,7 +2695,7 @@
           <a:p>
             <a:fld id="{FFEEABED-7E63-4AD1-9BDA-DEAF82B7AAB0}" type="slidenum">
               <a:rPr lang="pt-BR" smtClean="0"/>
-              <a:t>‹#›</a:t>
+              <a:t>‹nº›</a:t>
             </a:fld>
             <a:endParaRPr lang="pt-BR"/>
           </a:p>
@@ -2959,7 +2958,7 @@
           <a:p>
             <a:fld id="{7386F441-87CA-4171-91A1-D72CAF80283A}" type="datetimeFigureOut">
               <a:rPr lang="pt-BR" smtClean="0"/>
-              <a:t>02/09/2019</a:t>
+              <a:t>03/09/2019</a:t>
             </a:fld>
             <a:endParaRPr lang="pt-BR"/>
           </a:p>
@@ -3013,7 +3012,7 @@
           <a:p>
             <a:fld id="{FFEEABED-7E63-4AD1-9BDA-DEAF82B7AAB0}" type="slidenum">
               <a:rPr lang="pt-BR" smtClean="0"/>
-              <a:t>‹#›</a:t>
+              <a:t>‹nº›</a:t>
             </a:fld>
             <a:endParaRPr lang="pt-BR"/>
           </a:p>
@@ -3229,7 +3228,7 @@
           <a:p>
             <a:fld id="{7386F441-87CA-4171-91A1-D72CAF80283A}" type="datetimeFigureOut">
               <a:rPr lang="pt-BR" smtClean="0"/>
-              <a:t>02/09/2019</a:t>
+              <a:t>03/09/2019</a:t>
             </a:fld>
             <a:endParaRPr lang="pt-BR"/>
           </a:p>
@@ -3319,7 +3318,7 @@
           <a:p>
             <a:fld id="{FFEEABED-7E63-4AD1-9BDA-DEAF82B7AAB0}" type="slidenum">
               <a:rPr lang="pt-BR" smtClean="0"/>
-              <a:t>‹#›</a:t>
+              <a:t>‹nº›</a:t>
             </a:fld>
             <a:endParaRPr lang="pt-BR"/>
           </a:p>
@@ -3646,12 +3645,404 @@
           <a:chExt cx="0" cy="0"/>
         </a:xfrm>
       </p:grpSpPr>
+      <p:sp>
+        <p:nvSpPr>
+          <p:cNvPr id="39" name="Retângulo 38">
+            <a:extLst>
+              <a:ext uri="{FF2B5EF4-FFF2-40B4-BE49-F238E27FC236}">
+                <a16:creationId xmlns:a16="http://schemas.microsoft.com/office/drawing/2014/main" id="{B2C05DE8-9418-4871-AA1B-BB037D1B82E8}"/>
+              </a:ext>
+            </a:extLst>
+          </p:cNvPr>
+          <p:cNvSpPr/>
+          <p:nvPr/>
+        </p:nvSpPr>
+        <p:spPr>
+          <a:xfrm>
+            <a:off x="9009335" y="2281807"/>
+            <a:ext cx="2860697" cy="1134084"/>
+          </a:xfrm>
+          <a:prstGeom prst="rect">
+            <a:avLst/>
+          </a:prstGeom>
+          <a:solidFill>
+            <a:srgbClr val="F9EA8F"/>
+          </a:solidFill>
+          <a:ln>
+            <a:solidFill>
+              <a:schemeClr val="bg1">
+                <a:lumMod val="95000"/>
+              </a:schemeClr>
+            </a:solidFill>
+          </a:ln>
+        </p:spPr>
+        <p:style>
+          <a:lnRef idx="2">
+            <a:schemeClr val="accent1">
+              <a:shade val="50000"/>
+            </a:schemeClr>
+          </a:lnRef>
+          <a:fillRef idx="1">
+            <a:schemeClr val="accent1"/>
+          </a:fillRef>
+          <a:effectRef idx="0">
+            <a:schemeClr val="accent1"/>
+          </a:effectRef>
+          <a:fontRef idx="minor">
+            <a:schemeClr val="lt1"/>
+          </a:fontRef>
+        </p:style>
+        <p:txBody>
+          <a:bodyPr rtlCol="0" anchor="ctr"/>
+          <a:lstStyle/>
+          <a:p>
+            <a:pPr algn="ctr"/>
+            <a:endParaRPr lang="pt-BR" dirty="0"/>
+          </a:p>
+        </p:txBody>
+      </p:sp>
+      <p:sp>
+        <p:nvSpPr>
+          <p:cNvPr id="38" name="Retângulo 37">
+            <a:extLst>
+              <a:ext uri="{FF2B5EF4-FFF2-40B4-BE49-F238E27FC236}">
+                <a16:creationId xmlns:a16="http://schemas.microsoft.com/office/drawing/2014/main" id="{F0BF07CE-6DB0-499C-BE3F-E7562195EF07}"/>
+              </a:ext>
+            </a:extLst>
+          </p:cNvPr>
+          <p:cNvSpPr/>
+          <p:nvPr/>
+        </p:nvSpPr>
+        <p:spPr>
+          <a:xfrm>
+            <a:off x="9009335" y="3656211"/>
+            <a:ext cx="2860697" cy="1134084"/>
+          </a:xfrm>
+          <a:prstGeom prst="rect">
+            <a:avLst/>
+          </a:prstGeom>
+          <a:solidFill>
+            <a:srgbClr val="F9EA8F"/>
+          </a:solidFill>
+          <a:ln>
+            <a:solidFill>
+              <a:schemeClr val="bg1">
+                <a:lumMod val="95000"/>
+              </a:schemeClr>
+            </a:solidFill>
+          </a:ln>
+        </p:spPr>
+        <p:style>
+          <a:lnRef idx="2">
+            <a:schemeClr val="accent1">
+              <a:shade val="50000"/>
+            </a:schemeClr>
+          </a:lnRef>
+          <a:fillRef idx="1">
+            <a:schemeClr val="accent1"/>
+          </a:fillRef>
+          <a:effectRef idx="0">
+            <a:schemeClr val="accent1"/>
+          </a:effectRef>
+          <a:fontRef idx="minor">
+            <a:schemeClr val="lt1"/>
+          </a:fontRef>
+        </p:style>
+        <p:txBody>
+          <a:bodyPr rtlCol="0" anchor="ctr"/>
+          <a:lstStyle/>
+          <a:p>
+            <a:pPr algn="ctr"/>
+            <a:endParaRPr lang="pt-BR" dirty="0"/>
+          </a:p>
+        </p:txBody>
+      </p:sp>
+      <p:sp>
+        <p:nvSpPr>
+          <p:cNvPr id="37" name="Retângulo 36">
+            <a:extLst>
+              <a:ext uri="{FF2B5EF4-FFF2-40B4-BE49-F238E27FC236}">
+                <a16:creationId xmlns:a16="http://schemas.microsoft.com/office/drawing/2014/main" id="{0D7F4992-168F-4204-994D-FF2647340395}"/>
+              </a:ext>
+            </a:extLst>
+          </p:cNvPr>
+          <p:cNvSpPr/>
+          <p:nvPr/>
+        </p:nvSpPr>
+        <p:spPr>
+          <a:xfrm>
+            <a:off x="3081983" y="5498240"/>
+            <a:ext cx="2860697" cy="1134084"/>
+          </a:xfrm>
+          <a:prstGeom prst="rect">
+            <a:avLst/>
+          </a:prstGeom>
+          <a:solidFill>
+            <a:srgbClr val="F9EA8F"/>
+          </a:solidFill>
+          <a:ln>
+            <a:solidFill>
+              <a:schemeClr val="bg1">
+                <a:lumMod val="95000"/>
+              </a:schemeClr>
+            </a:solidFill>
+          </a:ln>
+        </p:spPr>
+        <p:style>
+          <a:lnRef idx="2">
+            <a:schemeClr val="accent1">
+              <a:shade val="50000"/>
+            </a:schemeClr>
+          </a:lnRef>
+          <a:fillRef idx="1">
+            <a:schemeClr val="accent1"/>
+          </a:fillRef>
+          <a:effectRef idx="0">
+            <a:schemeClr val="accent1"/>
+          </a:effectRef>
+          <a:fontRef idx="minor">
+            <a:schemeClr val="lt1"/>
+          </a:fontRef>
+        </p:style>
+        <p:txBody>
+          <a:bodyPr rtlCol="0" anchor="ctr"/>
+          <a:lstStyle/>
+          <a:p>
+            <a:pPr algn="ctr"/>
+            <a:endParaRPr lang="pt-BR" dirty="0"/>
+          </a:p>
+        </p:txBody>
+      </p:sp>
+      <p:sp>
+        <p:nvSpPr>
+          <p:cNvPr id="36" name="Retângulo 35">
+            <a:extLst>
+              <a:ext uri="{FF2B5EF4-FFF2-40B4-BE49-F238E27FC236}">
+                <a16:creationId xmlns:a16="http://schemas.microsoft.com/office/drawing/2014/main" id="{78A5E772-23FE-48DE-99DA-5FDB0BD26C86}"/>
+              </a:ext>
+            </a:extLst>
+          </p:cNvPr>
+          <p:cNvSpPr/>
+          <p:nvPr/>
+        </p:nvSpPr>
+        <p:spPr>
+          <a:xfrm>
+            <a:off x="352746" y="2294107"/>
+            <a:ext cx="2860697" cy="1134084"/>
+          </a:xfrm>
+          <a:prstGeom prst="rect">
+            <a:avLst/>
+          </a:prstGeom>
+          <a:solidFill>
+            <a:srgbClr val="F9EA8F"/>
+          </a:solidFill>
+          <a:ln>
+            <a:solidFill>
+              <a:schemeClr val="bg1">
+                <a:lumMod val="95000"/>
+              </a:schemeClr>
+            </a:solidFill>
+          </a:ln>
+        </p:spPr>
+        <p:style>
+          <a:lnRef idx="2">
+            <a:schemeClr val="accent1">
+              <a:shade val="50000"/>
+            </a:schemeClr>
+          </a:lnRef>
+          <a:fillRef idx="1">
+            <a:schemeClr val="accent1"/>
+          </a:fillRef>
+          <a:effectRef idx="0">
+            <a:schemeClr val="accent1"/>
+          </a:effectRef>
+          <a:fontRef idx="minor">
+            <a:schemeClr val="lt1"/>
+          </a:fontRef>
+        </p:style>
+        <p:txBody>
+          <a:bodyPr rtlCol="0" anchor="ctr"/>
+          <a:lstStyle/>
+          <a:p>
+            <a:pPr algn="ctr"/>
+            <a:endParaRPr lang="pt-BR" dirty="0"/>
+          </a:p>
+        </p:txBody>
+      </p:sp>
+      <p:sp>
+        <p:nvSpPr>
+          <p:cNvPr id="35" name="Retângulo 34">
+            <a:extLst>
+              <a:ext uri="{FF2B5EF4-FFF2-40B4-BE49-F238E27FC236}">
+                <a16:creationId xmlns:a16="http://schemas.microsoft.com/office/drawing/2014/main" id="{1AE8AB6D-531E-4A79-9CDD-8054B14FC613}"/>
+              </a:ext>
+            </a:extLst>
+          </p:cNvPr>
+          <p:cNvSpPr/>
+          <p:nvPr/>
+        </p:nvSpPr>
+        <p:spPr>
+          <a:xfrm>
+            <a:off x="333799" y="3656211"/>
+            <a:ext cx="2860697" cy="1134084"/>
+          </a:xfrm>
+          <a:prstGeom prst="rect">
+            <a:avLst/>
+          </a:prstGeom>
+          <a:solidFill>
+            <a:srgbClr val="F9EA8F"/>
+          </a:solidFill>
+          <a:ln>
+            <a:solidFill>
+              <a:schemeClr val="bg1">
+                <a:lumMod val="95000"/>
+              </a:schemeClr>
+            </a:solidFill>
+          </a:ln>
+        </p:spPr>
+        <p:style>
+          <a:lnRef idx="2">
+            <a:schemeClr val="accent1">
+              <a:shade val="50000"/>
+            </a:schemeClr>
+          </a:lnRef>
+          <a:fillRef idx="1">
+            <a:schemeClr val="accent1"/>
+          </a:fillRef>
+          <a:effectRef idx="0">
+            <a:schemeClr val="accent1"/>
+          </a:effectRef>
+          <a:fontRef idx="minor">
+            <a:schemeClr val="lt1"/>
+          </a:fontRef>
+        </p:style>
+        <p:txBody>
+          <a:bodyPr rtlCol="0" anchor="ctr"/>
+          <a:lstStyle/>
+          <a:p>
+            <a:pPr algn="ctr"/>
+            <a:endParaRPr lang="pt-BR" dirty="0"/>
+          </a:p>
+        </p:txBody>
+      </p:sp>
+      <p:sp>
+        <p:nvSpPr>
+          <p:cNvPr id="32" name="Retângulo 31">
+            <a:extLst>
+              <a:ext uri="{FF2B5EF4-FFF2-40B4-BE49-F238E27FC236}">
+                <a16:creationId xmlns:a16="http://schemas.microsoft.com/office/drawing/2014/main" id="{2FAF6651-BA13-47A7-8BB0-95614D942F55}"/>
+              </a:ext>
+            </a:extLst>
+          </p:cNvPr>
+          <p:cNvSpPr/>
+          <p:nvPr/>
+        </p:nvSpPr>
+        <p:spPr>
+          <a:xfrm>
+            <a:off x="7172180" y="20543"/>
+            <a:ext cx="2860697" cy="1134084"/>
+          </a:xfrm>
+          <a:prstGeom prst="rect">
+            <a:avLst/>
+          </a:prstGeom>
+          <a:solidFill>
+            <a:srgbClr val="F9EA8F"/>
+          </a:solidFill>
+          <a:ln>
+            <a:solidFill>
+              <a:schemeClr val="bg1">
+                <a:lumMod val="95000"/>
+              </a:schemeClr>
+            </a:solidFill>
+          </a:ln>
+        </p:spPr>
+        <p:style>
+          <a:lnRef idx="2">
+            <a:schemeClr val="accent1">
+              <a:shade val="50000"/>
+            </a:schemeClr>
+          </a:lnRef>
+          <a:fillRef idx="1">
+            <a:schemeClr val="accent1"/>
+          </a:fillRef>
+          <a:effectRef idx="0">
+            <a:schemeClr val="accent1"/>
+          </a:effectRef>
+          <a:fontRef idx="minor">
+            <a:schemeClr val="lt1"/>
+          </a:fontRef>
+        </p:style>
+        <p:txBody>
+          <a:bodyPr rtlCol="0" anchor="ctr"/>
+          <a:lstStyle/>
+          <a:p>
+            <a:pPr algn="ctr"/>
+            <a:endParaRPr lang="pt-BR" dirty="0"/>
+          </a:p>
+        </p:txBody>
+      </p:sp>
+      <p:sp>
+        <p:nvSpPr>
+          <p:cNvPr id="13" name="Retângulo 12">
+            <a:extLst>
+              <a:ext uri="{FF2B5EF4-FFF2-40B4-BE49-F238E27FC236}">
+                <a16:creationId xmlns:a16="http://schemas.microsoft.com/office/drawing/2014/main" id="{D7C335B6-F103-4D4D-A7E1-18468A3AA7F4}"/>
+              </a:ext>
+            </a:extLst>
+          </p:cNvPr>
+          <p:cNvSpPr/>
+          <p:nvPr/>
+        </p:nvSpPr>
+        <p:spPr>
+          <a:xfrm>
+            <a:off x="2177429" y="140429"/>
+            <a:ext cx="2860697" cy="1134084"/>
+          </a:xfrm>
+          <a:prstGeom prst="rect">
+            <a:avLst/>
+          </a:prstGeom>
+          <a:solidFill>
+            <a:srgbClr val="F9EA8F"/>
+          </a:solidFill>
+          <a:ln>
+            <a:solidFill>
+              <a:schemeClr val="bg1">
+                <a:lumMod val="95000"/>
+              </a:schemeClr>
+            </a:solidFill>
+          </a:ln>
+        </p:spPr>
+        <p:style>
+          <a:lnRef idx="2">
+            <a:schemeClr val="accent1">
+              <a:shade val="50000"/>
+            </a:schemeClr>
+          </a:lnRef>
+          <a:fillRef idx="1">
+            <a:schemeClr val="accent1"/>
+          </a:fillRef>
+          <a:effectRef idx="0">
+            <a:schemeClr val="accent1"/>
+          </a:effectRef>
+          <a:fontRef idx="minor">
+            <a:schemeClr val="lt1"/>
+          </a:fontRef>
+        </p:style>
+        <p:txBody>
+          <a:bodyPr rtlCol="0" anchor="ctr"/>
+          <a:lstStyle/>
+          <a:p>
+            <a:pPr algn="ctr"/>
+            <a:endParaRPr lang="pt-BR" dirty="0"/>
+          </a:p>
+        </p:txBody>
+      </p:sp>
       <p:cxnSp>
         <p:nvCxnSpPr>
-          <p:cNvPr id="5" name="Conector reto 4">
-            <a:extLst>
-              <a:ext uri="{FF2B5EF4-FFF2-40B4-BE49-F238E27FC236}">
-                <a16:creationId xmlns:a16="http://schemas.microsoft.com/office/drawing/2014/main" id="{279ECB05-D7FE-4720-8A4E-714109AD5B2B}"/>
+          <p:cNvPr id="14" name="Conector reto 13">
+            <a:extLst>
+              <a:ext uri="{FF2B5EF4-FFF2-40B4-BE49-F238E27FC236}">
+                <a16:creationId xmlns:a16="http://schemas.microsoft.com/office/drawing/2014/main" id="{001F6917-BB71-4CB9-98FC-1AC80935B56E}"/>
               </a:ext>
             </a:extLst>
           </p:cNvPr>
@@ -3661,14 +4052,19 @@
           <p:nvPr/>
         </p:nvCxnSpPr>
         <p:spPr>
-          <a:xfrm flipV="1">
-            <a:off x="6904383" y="0"/>
-            <a:ext cx="5287617" cy="2955235"/>
+          <a:xfrm flipH="1" flipV="1">
+            <a:off x="443243" y="389659"/>
+            <a:ext cx="4436868" cy="2513304"/>
           </a:xfrm>
           <a:prstGeom prst="line">
             <a:avLst/>
           </a:prstGeom>
-          <a:ln w="28575"/>
+          <a:ln w="28575">
+            <a:solidFill>
+              <a:srgbClr val="FFC000"/>
+            </a:solidFill>
+            <a:prstDash val="dash"/>
+          </a:ln>
         </p:spPr>
         <p:style>
           <a:lnRef idx="1">
@@ -3685,59 +4081,505 @@
           </a:fontRef>
         </p:style>
       </p:cxnSp>
-      <p:pic>
-        <p:nvPicPr>
-          <p:cNvPr id="1026" name="Picture 2" descr="Resultado de imagem para empathy map icon">
-            <a:extLst>
-              <a:ext uri="{FF2B5EF4-FFF2-40B4-BE49-F238E27FC236}">
-                <a16:creationId xmlns:a16="http://schemas.microsoft.com/office/drawing/2014/main" id="{088EA557-265E-49AD-B539-5206B14B9705}"/>
-              </a:ext>
-            </a:extLst>
-          </p:cNvPr>
-          <p:cNvPicPr>
-            <a:picLocks noChangeAspect="1" noChangeArrowheads="1"/>
-          </p:cNvPicPr>
+      <p:sp>
+        <p:nvSpPr>
+          <p:cNvPr id="15" name="Retângulo 14">
+            <a:extLst>
+              <a:ext uri="{FF2B5EF4-FFF2-40B4-BE49-F238E27FC236}">
+                <a16:creationId xmlns:a16="http://schemas.microsoft.com/office/drawing/2014/main" id="{BC2D6BDC-5336-48D7-825B-DBDCCFAC55B9}"/>
+              </a:ext>
+            </a:extLst>
+          </p:cNvPr>
+          <p:cNvSpPr/>
           <p:nvPr/>
-        </p:nvPicPr>
-        <p:blipFill>
-          <a:blip r:embed="rId2">
-            <a:extLst>
-              <a:ext uri="{28A0092B-C50C-407E-A947-70E740481C1C}">
-                <a14:useLocalDpi xmlns:a14="http://schemas.microsoft.com/office/drawing/2010/main" val="0"/>
-              </a:ext>
-            </a:extLst>
-          </a:blip>
-          <a:srcRect/>
-          <a:stretch>
-            <a:fillRect/>
-          </a:stretch>
-        </p:blipFill>
-        <p:spPr bwMode="auto">
-          <a:xfrm>
-            <a:off x="5143500" y="2476500"/>
-            <a:ext cx="1905000" cy="1905000"/>
+        </p:nvSpPr>
+        <p:spPr>
+          <a:xfrm>
+            <a:off x="5141095" y="2153458"/>
+            <a:ext cx="1898725" cy="461665"/>
           </a:xfrm>
           <a:prstGeom prst="rect">
             <a:avLst/>
           </a:prstGeom>
           <a:noFill/>
-          <a:extLst>
-            <a:ext uri="{909E8E84-426E-40DD-AFC4-6F175D3DCCD1}">
-              <a14:hiddenFill xmlns:a14="http://schemas.microsoft.com/office/drawing/2010/main">
-                <a:solidFill>
-                  <a:srgbClr val="FFFFFF"/>
-                </a:solidFill>
-              </a14:hiddenFill>
-            </a:ext>
-          </a:extLst>
-        </p:spPr>
-      </p:pic>
+        </p:spPr>
+        <p:txBody>
+          <a:bodyPr wrap="none" lIns="91440" tIns="45720" rIns="91440" bIns="45720">
+            <a:spAutoFit/>
+          </a:bodyPr>
+          <a:lstStyle/>
+          <a:p>
+            <a:pPr algn="ctr"/>
+            <a:r>
+              <a:rPr lang="pt-BR" sz="2400" b="0" cap="none" spc="0" dirty="0">
+                <a:ln w="0"/>
+              </a:rPr>
+              <a:t>Pensa e sente</a:t>
+            </a:r>
+          </a:p>
+        </p:txBody>
+      </p:sp>
+      <p:sp>
+        <p:nvSpPr>
+          <p:cNvPr id="17" name="Retângulo 16">
+            <a:extLst>
+              <a:ext uri="{FF2B5EF4-FFF2-40B4-BE49-F238E27FC236}">
+                <a16:creationId xmlns:a16="http://schemas.microsoft.com/office/drawing/2014/main" id="{20EBAA23-2021-4DAA-BFB8-7925E134B23A}"/>
+              </a:ext>
+            </a:extLst>
+          </p:cNvPr>
+          <p:cNvSpPr/>
+          <p:nvPr/>
+        </p:nvSpPr>
+        <p:spPr>
+          <a:xfrm>
+            <a:off x="6867823" y="3198167"/>
+            <a:ext cx="1162369" cy="461665"/>
+          </a:xfrm>
+          <a:prstGeom prst="rect">
+            <a:avLst/>
+          </a:prstGeom>
+          <a:noFill/>
+        </p:spPr>
+        <p:txBody>
+          <a:bodyPr wrap="none" lIns="91440" tIns="45720" rIns="91440" bIns="45720">
+            <a:spAutoFit/>
+          </a:bodyPr>
+          <a:lstStyle/>
+          <a:p>
+            <a:pPr algn="ctr"/>
+            <a:r>
+              <a:rPr lang="pt-BR" sz="2400" b="0" cap="none" spc="0" dirty="0">
+                <a:ln w="0"/>
+              </a:rPr>
+              <a:t>Enxerga</a:t>
+            </a:r>
+          </a:p>
+        </p:txBody>
+      </p:sp>
+      <p:sp>
+        <p:nvSpPr>
+          <p:cNvPr id="18" name="Retângulo 17">
+            <a:extLst>
+              <a:ext uri="{FF2B5EF4-FFF2-40B4-BE49-F238E27FC236}">
+                <a16:creationId xmlns:a16="http://schemas.microsoft.com/office/drawing/2014/main" id="{B8A3E92D-096B-4F29-8EE3-D0F50324A9F2}"/>
+              </a:ext>
+            </a:extLst>
+          </p:cNvPr>
+          <p:cNvSpPr/>
+          <p:nvPr/>
+        </p:nvSpPr>
+        <p:spPr>
+          <a:xfrm>
+            <a:off x="5429730" y="4242789"/>
+            <a:ext cx="1332544" cy="461665"/>
+          </a:xfrm>
+          <a:prstGeom prst="rect">
+            <a:avLst/>
+          </a:prstGeom>
+          <a:noFill/>
+        </p:spPr>
+        <p:txBody>
+          <a:bodyPr wrap="none" lIns="91440" tIns="45720" rIns="91440" bIns="45720">
+            <a:spAutoFit/>
+          </a:bodyPr>
+          <a:lstStyle/>
+          <a:p>
+            <a:pPr algn="ctr"/>
+            <a:r>
+              <a:rPr lang="pt-BR" sz="2400" b="0" cap="none" spc="0" dirty="0">
+                <a:ln w="0"/>
+              </a:rPr>
+              <a:t>Faz e fala</a:t>
+            </a:r>
+          </a:p>
+        </p:txBody>
+      </p:sp>
+      <p:sp>
+        <p:nvSpPr>
+          <p:cNvPr id="19" name="Retângulo 18">
+            <a:extLst>
+              <a:ext uri="{FF2B5EF4-FFF2-40B4-BE49-F238E27FC236}">
+                <a16:creationId xmlns:a16="http://schemas.microsoft.com/office/drawing/2014/main" id="{F96C2D97-C514-4ED0-8143-FB3C48E11EE8}"/>
+              </a:ext>
+            </a:extLst>
+          </p:cNvPr>
+          <p:cNvSpPr/>
+          <p:nvPr/>
+        </p:nvSpPr>
+        <p:spPr>
+          <a:xfrm>
+            <a:off x="4330571" y="3198167"/>
+            <a:ext cx="993605" cy="461665"/>
+          </a:xfrm>
+          <a:prstGeom prst="rect">
+            <a:avLst/>
+          </a:prstGeom>
+          <a:noFill/>
+        </p:spPr>
+        <p:txBody>
+          <a:bodyPr wrap="none" lIns="91440" tIns="45720" rIns="91440" bIns="45720">
+            <a:spAutoFit/>
+          </a:bodyPr>
+          <a:lstStyle/>
+          <a:p>
+            <a:pPr algn="ctr"/>
+            <a:r>
+              <a:rPr lang="pt-BR" sz="2400" b="0" cap="none" spc="0" dirty="0">
+                <a:ln w="0"/>
+              </a:rPr>
+              <a:t>Escuta</a:t>
+            </a:r>
+          </a:p>
+        </p:txBody>
+      </p:sp>
+      <p:sp>
+        <p:nvSpPr>
+          <p:cNvPr id="21" name="CaixaDeTexto 20">
+            <a:extLst>
+              <a:ext uri="{FF2B5EF4-FFF2-40B4-BE49-F238E27FC236}">
+                <a16:creationId xmlns:a16="http://schemas.microsoft.com/office/drawing/2014/main" id="{558076E4-1AE1-41C6-BBE2-1BAF5F55306F}"/>
+              </a:ext>
+            </a:extLst>
+          </p:cNvPr>
+          <p:cNvSpPr txBox="1"/>
+          <p:nvPr/>
+        </p:nvSpPr>
+        <p:spPr>
+          <a:xfrm>
+            <a:off x="2097147" y="417438"/>
+            <a:ext cx="3008240" cy="646331"/>
+          </a:xfrm>
+          <a:prstGeom prst="rect">
+            <a:avLst/>
+          </a:prstGeom>
+          <a:noFill/>
+        </p:spPr>
+        <p:txBody>
+          <a:bodyPr wrap="square" rtlCol="0">
+            <a:spAutoFit/>
+          </a:bodyPr>
+          <a:lstStyle/>
+          <a:p>
+            <a:pPr algn="ctr"/>
+            <a:r>
+              <a:rPr lang="pt-BR" dirty="0"/>
+              <a:t>Não gosta da exposição das grandes redes sociais</a:t>
+            </a:r>
+            <a:endParaRPr lang="pt-BR" i="1" dirty="0"/>
+          </a:p>
+        </p:txBody>
+      </p:sp>
+      <p:sp>
+        <p:nvSpPr>
+          <p:cNvPr id="22" name="CaixaDeTexto 21">
+            <a:extLst>
+              <a:ext uri="{FF2B5EF4-FFF2-40B4-BE49-F238E27FC236}">
+                <a16:creationId xmlns:a16="http://schemas.microsoft.com/office/drawing/2014/main" id="{8063D066-0757-4D3E-B786-0148459B2934}"/>
+              </a:ext>
+            </a:extLst>
+          </p:cNvPr>
+          <p:cNvSpPr txBox="1"/>
+          <p:nvPr/>
+        </p:nvSpPr>
+        <p:spPr>
+          <a:xfrm>
+            <a:off x="7172180" y="167750"/>
+            <a:ext cx="2829315" cy="923330"/>
+          </a:xfrm>
+          <a:prstGeom prst="rect">
+            <a:avLst/>
+          </a:prstGeom>
+          <a:noFill/>
+        </p:spPr>
+        <p:txBody>
+          <a:bodyPr wrap="square" rtlCol="0">
+            <a:spAutoFit/>
+          </a:bodyPr>
+          <a:lstStyle/>
+          <a:p>
+            <a:pPr algn="ctr"/>
+            <a:r>
+              <a:rPr lang="pt-BR" dirty="0"/>
+              <a:t>Se sente pressionado pela idealização incentivada pelas redes</a:t>
+            </a:r>
+            <a:endParaRPr lang="pt-BR" i="1" dirty="0"/>
+          </a:p>
+        </p:txBody>
+      </p:sp>
+      <p:sp>
+        <p:nvSpPr>
+          <p:cNvPr id="25" name="CaixaDeTexto 24">
+            <a:extLst>
+              <a:ext uri="{FF2B5EF4-FFF2-40B4-BE49-F238E27FC236}">
+                <a16:creationId xmlns:a16="http://schemas.microsoft.com/office/drawing/2014/main" id="{7C3669D3-B2A4-41F4-920C-FDDA8B51BA9D}"/>
+              </a:ext>
+            </a:extLst>
+          </p:cNvPr>
+          <p:cNvSpPr txBox="1"/>
+          <p:nvPr/>
+        </p:nvSpPr>
+        <p:spPr>
+          <a:xfrm>
+            <a:off x="9009335" y="2542708"/>
+            <a:ext cx="2878522" cy="646331"/>
+          </a:xfrm>
+          <a:prstGeom prst="rect">
+            <a:avLst/>
+          </a:prstGeom>
+          <a:noFill/>
+        </p:spPr>
+        <p:txBody>
+          <a:bodyPr wrap="square" rtlCol="0">
+            <a:spAutoFit/>
+          </a:bodyPr>
+          <a:lstStyle/>
+          <a:p>
+            <a:pPr algn="ctr"/>
+            <a:r>
+              <a:rPr lang="pt-BR" dirty="0"/>
+              <a:t>Redes sociais com modelos pessoais inalcançáveis</a:t>
+            </a:r>
+          </a:p>
+        </p:txBody>
+      </p:sp>
+      <p:sp>
+        <p:nvSpPr>
+          <p:cNvPr id="26" name="CaixaDeTexto 25">
+            <a:extLst>
+              <a:ext uri="{FF2B5EF4-FFF2-40B4-BE49-F238E27FC236}">
+                <a16:creationId xmlns:a16="http://schemas.microsoft.com/office/drawing/2014/main" id="{380D425E-248D-41CC-B8A6-DD725BDCCF44}"/>
+              </a:ext>
+            </a:extLst>
+          </p:cNvPr>
+          <p:cNvSpPr txBox="1"/>
+          <p:nvPr/>
+        </p:nvSpPr>
+        <p:spPr>
+          <a:xfrm>
+            <a:off x="3446880" y="5742116"/>
+            <a:ext cx="2150163" cy="646331"/>
+          </a:xfrm>
+          <a:prstGeom prst="rect">
+            <a:avLst/>
+          </a:prstGeom>
+          <a:noFill/>
+        </p:spPr>
+        <p:txBody>
+          <a:bodyPr wrap="square" rtlCol="0">
+            <a:spAutoFit/>
+          </a:bodyPr>
+          <a:lstStyle/>
+          <a:p>
+            <a:pPr algn="ctr"/>
+            <a:r>
+              <a:rPr lang="pt-BR" dirty="0"/>
+              <a:t>Tira fotos com os amigos e familiares</a:t>
+            </a:r>
+          </a:p>
+        </p:txBody>
+      </p:sp>
+      <p:sp>
+        <p:nvSpPr>
+          <p:cNvPr id="28" name="CaixaDeTexto 27">
+            <a:extLst>
+              <a:ext uri="{FF2B5EF4-FFF2-40B4-BE49-F238E27FC236}">
+                <a16:creationId xmlns:a16="http://schemas.microsoft.com/office/drawing/2014/main" id="{9B3275B1-0CF1-4CFC-A8DF-535ED5F7126D}"/>
+              </a:ext>
+            </a:extLst>
+          </p:cNvPr>
+          <p:cNvSpPr txBox="1"/>
+          <p:nvPr/>
+        </p:nvSpPr>
+        <p:spPr>
+          <a:xfrm>
+            <a:off x="8941200" y="3761588"/>
+            <a:ext cx="2996965" cy="923330"/>
+          </a:xfrm>
+          <a:prstGeom prst="rect">
+            <a:avLst/>
+          </a:prstGeom>
+          <a:noFill/>
+        </p:spPr>
+        <p:txBody>
+          <a:bodyPr wrap="square" rtlCol="0">
+            <a:spAutoFit/>
+          </a:bodyPr>
+          <a:lstStyle/>
+          <a:p>
+            <a:pPr algn="ctr"/>
+            <a:r>
+              <a:rPr lang="pt-BR" dirty="0"/>
+              <a:t>Fotos com os amigos se perdendo em meio a galeria do </a:t>
+            </a:r>
+            <a:r>
+              <a:rPr lang="pt-BR" dirty="0" err="1"/>
+              <a:t>whatsapp</a:t>
+            </a:r>
+            <a:endParaRPr lang="pt-BR" dirty="0"/>
+          </a:p>
+        </p:txBody>
+      </p:sp>
+      <p:sp>
+        <p:nvSpPr>
+          <p:cNvPr id="20" name="CaixaDeTexto 26">
+            <a:extLst>
+              <a:ext uri="{FF2B5EF4-FFF2-40B4-BE49-F238E27FC236}">
+                <a16:creationId xmlns:a16="http://schemas.microsoft.com/office/drawing/2014/main" id="{622367C5-F544-478C-B57F-02702DE1A152}"/>
+              </a:ext>
+            </a:extLst>
+          </p:cNvPr>
+          <p:cNvSpPr txBox="1"/>
+          <p:nvPr/>
+        </p:nvSpPr>
+        <p:spPr>
+          <a:xfrm>
+            <a:off x="484205" y="2548635"/>
+            <a:ext cx="2597778" cy="646331"/>
+          </a:xfrm>
+          <a:prstGeom prst="rect">
+            <a:avLst/>
+          </a:prstGeom>
+          <a:noFill/>
+        </p:spPr>
+        <p:txBody>
+          <a:bodyPr wrap="square" rtlCol="0">
+            <a:spAutoFit/>
+          </a:bodyPr>
+          <a:lstStyle/>
+          <a:p>
+            <a:pPr algn="ctr"/>
+            <a:r>
+              <a:rPr lang="en-US" dirty="0" err="1"/>
+              <a:t>Pessoas</a:t>
+            </a:r>
+            <a:r>
+              <a:rPr lang="en-US" dirty="0"/>
+              <a:t> </a:t>
+            </a:r>
+            <a:r>
+              <a:rPr lang="en-US" dirty="0" err="1"/>
+              <a:t>pedindo</a:t>
+            </a:r>
+            <a:r>
+              <a:rPr lang="en-US" dirty="0"/>
+              <a:t> para </a:t>
+            </a:r>
+            <a:r>
+              <a:rPr lang="en-US" dirty="0" err="1"/>
+              <a:t>enviar</a:t>
+            </a:r>
+            <a:r>
+              <a:rPr lang="en-US" dirty="0"/>
+              <a:t> as </a:t>
+            </a:r>
+            <a:r>
+              <a:rPr lang="en-US" dirty="0" err="1"/>
+              <a:t>fotos</a:t>
+            </a:r>
+            <a:endParaRPr lang="pt-BR" dirty="0"/>
+          </a:p>
+        </p:txBody>
+      </p:sp>
+      <p:sp>
+        <p:nvSpPr>
+          <p:cNvPr id="24" name="CaixaDeTexto 26">
+            <a:extLst>
+              <a:ext uri="{FF2B5EF4-FFF2-40B4-BE49-F238E27FC236}">
+                <a16:creationId xmlns:a16="http://schemas.microsoft.com/office/drawing/2014/main" id="{622367C5-F544-478C-B57F-02702DE1A152}"/>
+              </a:ext>
+            </a:extLst>
+          </p:cNvPr>
+          <p:cNvSpPr txBox="1"/>
+          <p:nvPr/>
+        </p:nvSpPr>
+        <p:spPr>
+          <a:xfrm>
+            <a:off x="266739" y="3756307"/>
+            <a:ext cx="2969436" cy="923330"/>
+          </a:xfrm>
+          <a:prstGeom prst="rect">
+            <a:avLst/>
+          </a:prstGeom>
+          <a:noFill/>
+        </p:spPr>
+        <p:txBody>
+          <a:bodyPr wrap="square" rtlCol="0">
+            <a:spAutoFit/>
+          </a:bodyPr>
+          <a:lstStyle/>
+          <a:p>
+            <a:pPr algn="ctr"/>
+            <a:r>
+              <a:rPr lang="en-US" dirty="0" err="1"/>
+              <a:t>Pessoas</a:t>
+            </a:r>
+            <a:r>
+              <a:rPr lang="en-US" dirty="0"/>
+              <a:t> e </a:t>
+            </a:r>
+            <a:r>
+              <a:rPr lang="en-US" dirty="0" err="1"/>
+              <a:t>reportagens</a:t>
+            </a:r>
+            <a:r>
+              <a:rPr lang="en-US" dirty="0"/>
+              <a:t> </a:t>
+            </a:r>
+            <a:r>
+              <a:rPr lang="en-US" dirty="0" err="1"/>
+              <a:t>falando</a:t>
+            </a:r>
+            <a:r>
+              <a:rPr lang="en-US" dirty="0"/>
+              <a:t> </a:t>
+            </a:r>
+            <a:r>
+              <a:rPr lang="en-US" dirty="0" err="1"/>
+              <a:t>sobre</a:t>
+            </a:r>
+            <a:r>
+              <a:rPr lang="en-US" dirty="0"/>
+              <a:t> a utopia </a:t>
+            </a:r>
+            <a:r>
+              <a:rPr lang="en-US" dirty="0" err="1"/>
+              <a:t>promovida</a:t>
+            </a:r>
+            <a:r>
+              <a:rPr lang="en-US" dirty="0"/>
+              <a:t> </a:t>
+            </a:r>
+            <a:r>
+              <a:rPr lang="en-US" dirty="0" err="1"/>
+              <a:t>pelas</a:t>
+            </a:r>
+            <a:r>
+              <a:rPr lang="en-US" dirty="0"/>
+              <a:t> </a:t>
+            </a:r>
+            <a:r>
+              <a:rPr lang="en-US" dirty="0" err="1"/>
+              <a:t>redes</a:t>
+            </a:r>
+            <a:r>
+              <a:rPr lang="en-US" dirty="0"/>
+              <a:t> </a:t>
+            </a:r>
+            <a:r>
+              <a:rPr lang="en-US" dirty="0" err="1"/>
+              <a:t>sociais</a:t>
+            </a:r>
+            <a:endParaRPr lang="pt-BR" dirty="0"/>
+          </a:p>
+        </p:txBody>
+      </p:sp>
       <p:cxnSp>
         <p:nvCxnSpPr>
-          <p:cNvPr id="8" name="Conector reto 7">
-            <a:extLst>
-              <a:ext uri="{FF2B5EF4-FFF2-40B4-BE49-F238E27FC236}">
-                <a16:creationId xmlns:a16="http://schemas.microsoft.com/office/drawing/2014/main" id="{831FE2BD-8F75-4B63-8B9F-435C6FDC4B2B}"/>
+          <p:cNvPr id="29" name="Conector reto 28">
+            <a:extLst>
+              <a:ext uri="{FF2B5EF4-FFF2-40B4-BE49-F238E27FC236}">
+                <a16:creationId xmlns:a16="http://schemas.microsoft.com/office/drawing/2014/main" id="{8EBFE741-BF8A-431B-A80D-64F36E35B615}"/>
               </a:ext>
             </a:extLst>
           </p:cNvPr>
@@ -3747,14 +4589,19 @@
           <p:nvPr/>
         </p:nvCxnSpPr>
         <p:spPr>
-          <a:xfrm flipV="1">
-            <a:off x="0" y="3790122"/>
-            <a:ext cx="5420139" cy="3067879"/>
+          <a:xfrm flipH="1" flipV="1">
+            <a:off x="7311889" y="4072006"/>
+            <a:ext cx="4436868" cy="2513304"/>
           </a:xfrm>
           <a:prstGeom prst="line">
             <a:avLst/>
           </a:prstGeom>
-          <a:ln w="28575"/>
+          <a:ln w="28575">
+            <a:solidFill>
+              <a:srgbClr val="FFC000"/>
+            </a:solidFill>
+            <a:prstDash val="dash"/>
+          </a:ln>
         </p:spPr>
         <p:style>
           <a:lnRef idx="1">
@@ -3773,10 +4620,10 @@
       </p:cxnSp>
       <p:cxnSp>
         <p:nvCxnSpPr>
-          <p:cNvPr id="11" name="Conector reto 10">
-            <a:extLst>
-              <a:ext uri="{FF2B5EF4-FFF2-40B4-BE49-F238E27FC236}">
-                <a16:creationId xmlns:a16="http://schemas.microsoft.com/office/drawing/2014/main" id="{282C7ADF-39C5-4F15-A692-6A93108131C9}"/>
+          <p:cNvPr id="30" name="Conector reto 29">
+            <a:extLst>
+              <a:ext uri="{FF2B5EF4-FFF2-40B4-BE49-F238E27FC236}">
+                <a16:creationId xmlns:a16="http://schemas.microsoft.com/office/drawing/2014/main" id="{23C50AAD-1A2F-47D2-A019-5ACFEDE6D7CB}"/>
               </a:ext>
             </a:extLst>
           </p:cNvPr>
@@ -3786,14 +4633,19 @@
           <p:nvPr/>
         </p:nvCxnSpPr>
         <p:spPr>
-          <a:xfrm flipH="1" flipV="1">
-            <a:off x="6904383" y="3790122"/>
-            <a:ext cx="5287617" cy="3067878"/>
+          <a:xfrm flipV="1">
+            <a:off x="442146" y="4048430"/>
+            <a:ext cx="4436868" cy="2513304"/>
           </a:xfrm>
           <a:prstGeom prst="line">
             <a:avLst/>
           </a:prstGeom>
-          <a:ln w="28575"/>
+          <a:ln w="28575">
+            <a:solidFill>
+              <a:srgbClr val="FFC000"/>
+            </a:solidFill>
+            <a:prstDash val="dash"/>
+          </a:ln>
         </p:spPr>
         <p:style>
           <a:lnRef idx="1">
@@ -3812,10 +4664,10 @@
       </p:cxnSp>
       <p:cxnSp>
         <p:nvCxnSpPr>
-          <p:cNvPr id="14" name="Conector reto 13">
-            <a:extLst>
-              <a:ext uri="{FF2B5EF4-FFF2-40B4-BE49-F238E27FC236}">
-                <a16:creationId xmlns:a16="http://schemas.microsoft.com/office/drawing/2014/main" id="{001F6917-BB71-4CB9-98FC-1AC80935B56E}"/>
+          <p:cNvPr id="31" name="Conector reto 30">
+            <a:extLst>
+              <a:ext uri="{FF2B5EF4-FFF2-40B4-BE49-F238E27FC236}">
+                <a16:creationId xmlns:a16="http://schemas.microsoft.com/office/drawing/2014/main" id="{7457925F-1248-4141-87F2-1B1E1A17BBC1}"/>
               </a:ext>
             </a:extLst>
           </p:cNvPr>
@@ -3825,14 +4677,19 @@
           <p:nvPr/>
         </p:nvCxnSpPr>
         <p:spPr>
-          <a:xfrm flipH="1" flipV="1">
-            <a:off x="66261" y="65433"/>
-            <a:ext cx="5287616" cy="3067878"/>
+          <a:xfrm flipV="1">
+            <a:off x="7433164" y="388743"/>
+            <a:ext cx="4436868" cy="2513304"/>
           </a:xfrm>
           <a:prstGeom prst="line">
             <a:avLst/>
           </a:prstGeom>
-          <a:ln w="28575"/>
+          <a:ln w="28575">
+            <a:solidFill>
+              <a:srgbClr val="FFC000"/>
+            </a:solidFill>
+            <a:prstDash val="dash"/>
+          </a:ln>
         </p:spPr>
         <p:style>
           <a:lnRef idx="1">
@@ -3851,10 +4708,10 @@
       </p:cxnSp>
       <p:sp>
         <p:nvSpPr>
-          <p:cNvPr id="15" name="Retângulo 14">
-            <a:extLst>
-              <a:ext uri="{FF2B5EF4-FFF2-40B4-BE49-F238E27FC236}">
-                <a16:creationId xmlns:a16="http://schemas.microsoft.com/office/drawing/2014/main" id="{BC2D6BDC-5336-48D7-825B-DBDCCFAC55B9}"/>
+          <p:cNvPr id="33" name="Retângulo 32">
+            <a:extLst>
+              <a:ext uri="{FF2B5EF4-FFF2-40B4-BE49-F238E27FC236}">
+                <a16:creationId xmlns:a16="http://schemas.microsoft.com/office/drawing/2014/main" id="{1928BF01-75C2-4B27-9F7A-72CFA95E6640}"/>
               </a:ext>
             </a:extLst>
           </p:cNvPr>
@@ -3863,8 +4720,64 @@
         </p:nvSpPr>
         <p:spPr>
           <a:xfrm>
-            <a:off x="5179768" y="65433"/>
-            <a:ext cx="1898725" cy="461665"/>
+            <a:off x="4801201" y="897997"/>
+            <a:ext cx="2860697" cy="1134084"/>
+          </a:xfrm>
+          <a:prstGeom prst="rect">
+            <a:avLst/>
+          </a:prstGeom>
+          <a:solidFill>
+            <a:srgbClr val="F9EA8F"/>
+          </a:solidFill>
+          <a:ln>
+            <a:solidFill>
+              <a:schemeClr val="bg1">
+                <a:lumMod val="95000"/>
+              </a:schemeClr>
+            </a:solidFill>
+          </a:ln>
+        </p:spPr>
+        <p:style>
+          <a:lnRef idx="2">
+            <a:schemeClr val="accent1">
+              <a:shade val="50000"/>
+            </a:schemeClr>
+          </a:lnRef>
+          <a:fillRef idx="1">
+            <a:schemeClr val="accent1"/>
+          </a:fillRef>
+          <a:effectRef idx="0">
+            <a:schemeClr val="accent1"/>
+          </a:effectRef>
+          <a:fontRef idx="minor">
+            <a:schemeClr val="lt1"/>
+          </a:fontRef>
+        </p:style>
+        <p:txBody>
+          <a:bodyPr rtlCol="0" anchor="ctr"/>
+          <a:lstStyle/>
+          <a:p>
+            <a:pPr algn="ctr"/>
+            <a:endParaRPr lang="pt-BR" dirty="0"/>
+          </a:p>
+        </p:txBody>
+      </p:sp>
+      <p:sp>
+        <p:nvSpPr>
+          <p:cNvPr id="23" name="CaixaDeTexto 22">
+            <a:extLst>
+              <a:ext uri="{FF2B5EF4-FFF2-40B4-BE49-F238E27FC236}">
+                <a16:creationId xmlns:a16="http://schemas.microsoft.com/office/drawing/2014/main" id="{0B5FC69A-6C0E-4EBE-A344-6094A927DE31}"/>
+              </a:ext>
+            </a:extLst>
+          </p:cNvPr>
+          <p:cNvSpPr txBox="1"/>
+          <p:nvPr/>
+        </p:nvSpPr>
+        <p:spPr>
+          <a:xfrm>
+            <a:off x="4797888" y="1175006"/>
+            <a:ext cx="2838926" cy="646331"/>
           </a:xfrm>
           <a:prstGeom prst="rect">
             <a:avLst/>
@@ -3872,37 +4785,26 @@
           <a:noFill/>
         </p:spPr>
         <p:txBody>
-          <a:bodyPr wrap="none" lIns="91440" tIns="45720" rIns="91440" bIns="45720">
+          <a:bodyPr wrap="square" rtlCol="0">
             <a:spAutoFit/>
           </a:bodyPr>
           <a:lstStyle/>
           <a:p>
             <a:pPr algn="ctr"/>
             <a:r>
-              <a:rPr lang="pt-BR" sz="2400" b="0" cap="none" spc="0" dirty="0">
-                <a:ln w="0"/>
-                <a:solidFill>
-                  <a:schemeClr val="tx1"/>
-                </a:solidFill>
-                <a:effectLst>
-                  <a:outerShdw blurRad="38100" dist="19050" dir="2700000" algn="tl" rotWithShape="0">
-                    <a:schemeClr val="dk1">
-                      <a:alpha val="40000"/>
-                    </a:schemeClr>
-                  </a:outerShdw>
-                </a:effectLst>
-              </a:rPr>
-              <a:t>Pensa e sente</a:t>
-            </a:r>
-          </a:p>
-        </p:txBody>
-      </p:sp>
-      <p:sp>
-        <p:nvSpPr>
-          <p:cNvPr id="17" name="Retângulo 16">
-            <a:extLst>
-              <a:ext uri="{FF2B5EF4-FFF2-40B4-BE49-F238E27FC236}">
-                <a16:creationId xmlns:a16="http://schemas.microsoft.com/office/drawing/2014/main" id="{20EBAA23-2021-4DAA-BFB8-7925E134B23A}"/>
+              <a:rPr lang="pt-BR" dirty="0"/>
+              <a:t>Quer recordar momentos com seus amigos e família</a:t>
+            </a:r>
+            <a:endParaRPr lang="pt-BR" i="1" dirty="0"/>
+          </a:p>
+        </p:txBody>
+      </p:sp>
+      <p:sp>
+        <p:nvSpPr>
+          <p:cNvPr id="34" name="Retângulo 33">
+            <a:extLst>
+              <a:ext uri="{FF2B5EF4-FFF2-40B4-BE49-F238E27FC236}">
+                <a16:creationId xmlns:a16="http://schemas.microsoft.com/office/drawing/2014/main" id="{710DE18C-7AAA-48ED-BF4C-BB2C22E89D2B}"/>
               </a:ext>
             </a:extLst>
           </p:cNvPr>
@@ -3911,8 +4813,64 @@
         </p:nvSpPr>
         <p:spPr>
           <a:xfrm>
-            <a:off x="10963370" y="3198167"/>
-            <a:ext cx="1162369" cy="461665"/>
+            <a:off x="6231549" y="5498240"/>
+            <a:ext cx="2860697" cy="1134084"/>
+          </a:xfrm>
+          <a:prstGeom prst="rect">
+            <a:avLst/>
+          </a:prstGeom>
+          <a:solidFill>
+            <a:srgbClr val="F9EA8F"/>
+          </a:solidFill>
+          <a:ln>
+            <a:solidFill>
+              <a:schemeClr val="bg1">
+                <a:lumMod val="95000"/>
+              </a:schemeClr>
+            </a:solidFill>
+          </a:ln>
+        </p:spPr>
+        <p:style>
+          <a:lnRef idx="2">
+            <a:schemeClr val="accent1">
+              <a:shade val="50000"/>
+            </a:schemeClr>
+          </a:lnRef>
+          <a:fillRef idx="1">
+            <a:schemeClr val="accent1"/>
+          </a:fillRef>
+          <a:effectRef idx="0">
+            <a:schemeClr val="accent1"/>
+          </a:effectRef>
+          <a:fontRef idx="minor">
+            <a:schemeClr val="lt1"/>
+          </a:fontRef>
+        </p:style>
+        <p:txBody>
+          <a:bodyPr rtlCol="0" anchor="ctr"/>
+          <a:lstStyle/>
+          <a:p>
+            <a:pPr algn="ctr"/>
+            <a:endParaRPr lang="pt-BR" dirty="0"/>
+          </a:p>
+        </p:txBody>
+      </p:sp>
+      <p:sp>
+        <p:nvSpPr>
+          <p:cNvPr id="27" name="CaixaDeTexto 26">
+            <a:extLst>
+              <a:ext uri="{FF2B5EF4-FFF2-40B4-BE49-F238E27FC236}">
+                <a16:creationId xmlns:a16="http://schemas.microsoft.com/office/drawing/2014/main" id="{622367C5-F544-478C-B57F-02702DE1A152}"/>
+              </a:ext>
+            </a:extLst>
+          </p:cNvPr>
+          <p:cNvSpPr txBox="1"/>
+          <p:nvPr/>
+        </p:nvSpPr>
+        <p:spPr>
+          <a:xfrm>
+            <a:off x="6363008" y="5721875"/>
+            <a:ext cx="2597778" cy="646331"/>
           </a:xfrm>
           <a:prstGeom prst="rect">
             <a:avLst/>
@@ -3920,150 +4878,6 @@
           <a:noFill/>
         </p:spPr>
         <p:txBody>
-          <a:bodyPr wrap="none" lIns="91440" tIns="45720" rIns="91440" bIns="45720">
-            <a:spAutoFit/>
-          </a:bodyPr>
-          <a:lstStyle/>
-          <a:p>
-            <a:pPr algn="ctr"/>
-            <a:r>
-              <a:rPr lang="pt-BR" sz="2400" b="0" cap="none" spc="0" dirty="0">
-                <a:ln w="0"/>
-                <a:solidFill>
-                  <a:schemeClr val="tx1"/>
-                </a:solidFill>
-                <a:effectLst>
-                  <a:outerShdw blurRad="38100" dist="19050" dir="2700000" algn="tl" rotWithShape="0">
-                    <a:schemeClr val="dk1">
-                      <a:alpha val="40000"/>
-                    </a:schemeClr>
-                  </a:outerShdw>
-                </a:effectLst>
-              </a:rPr>
-              <a:t>Enxerga</a:t>
-            </a:r>
-          </a:p>
-        </p:txBody>
-      </p:sp>
-      <p:sp>
-        <p:nvSpPr>
-          <p:cNvPr id="18" name="Retângulo 17">
-            <a:extLst>
-              <a:ext uri="{FF2B5EF4-FFF2-40B4-BE49-F238E27FC236}">
-                <a16:creationId xmlns:a16="http://schemas.microsoft.com/office/drawing/2014/main" id="{B8A3E92D-096B-4F29-8EE3-D0F50324A9F2}"/>
-              </a:ext>
-            </a:extLst>
-          </p:cNvPr>
-          <p:cNvSpPr/>
-          <p:nvPr/>
-        </p:nvSpPr>
-        <p:spPr>
-          <a:xfrm>
-            <a:off x="5429730" y="6330902"/>
-            <a:ext cx="1332544" cy="461665"/>
-          </a:xfrm>
-          <a:prstGeom prst="rect">
-            <a:avLst/>
-          </a:prstGeom>
-          <a:noFill/>
-        </p:spPr>
-        <p:txBody>
-          <a:bodyPr wrap="none" lIns="91440" tIns="45720" rIns="91440" bIns="45720">
-            <a:spAutoFit/>
-          </a:bodyPr>
-          <a:lstStyle/>
-          <a:p>
-            <a:pPr algn="ctr"/>
-            <a:r>
-              <a:rPr lang="pt-BR" sz="2400" b="0" cap="none" spc="0" dirty="0">
-                <a:ln w="0"/>
-                <a:solidFill>
-                  <a:schemeClr val="tx1"/>
-                </a:solidFill>
-                <a:effectLst>
-                  <a:outerShdw blurRad="38100" dist="19050" dir="2700000" algn="tl" rotWithShape="0">
-                    <a:schemeClr val="dk1">
-                      <a:alpha val="40000"/>
-                    </a:schemeClr>
-                  </a:outerShdw>
-                </a:effectLst>
-              </a:rPr>
-              <a:t>Faz e fala</a:t>
-            </a:r>
-          </a:p>
-        </p:txBody>
-      </p:sp>
-      <p:sp>
-        <p:nvSpPr>
-          <p:cNvPr id="19" name="Retângulo 18">
-            <a:extLst>
-              <a:ext uri="{FF2B5EF4-FFF2-40B4-BE49-F238E27FC236}">
-                <a16:creationId xmlns:a16="http://schemas.microsoft.com/office/drawing/2014/main" id="{F96C2D97-C514-4ED0-8143-FB3C48E11EE8}"/>
-              </a:ext>
-            </a:extLst>
-          </p:cNvPr>
-          <p:cNvSpPr/>
-          <p:nvPr/>
-        </p:nvSpPr>
-        <p:spPr>
-          <a:xfrm>
-            <a:off x="0" y="3198167"/>
-            <a:ext cx="993605" cy="461665"/>
-          </a:xfrm>
-          <a:prstGeom prst="rect">
-            <a:avLst/>
-          </a:prstGeom>
-          <a:noFill/>
-        </p:spPr>
-        <p:txBody>
-          <a:bodyPr wrap="none" lIns="91440" tIns="45720" rIns="91440" bIns="45720">
-            <a:spAutoFit/>
-          </a:bodyPr>
-          <a:lstStyle/>
-          <a:p>
-            <a:pPr algn="ctr"/>
-            <a:r>
-              <a:rPr lang="pt-BR" sz="2400" b="0" cap="none" spc="0" dirty="0">
-                <a:ln w="0"/>
-                <a:solidFill>
-                  <a:schemeClr val="tx1"/>
-                </a:solidFill>
-                <a:effectLst>
-                  <a:outerShdw blurRad="38100" dist="19050" dir="2700000" algn="tl" rotWithShape="0">
-                    <a:schemeClr val="dk1">
-                      <a:alpha val="40000"/>
-                    </a:schemeClr>
-                  </a:outerShdw>
-                </a:effectLst>
-              </a:rPr>
-              <a:t>Escuta</a:t>
-            </a:r>
-          </a:p>
-        </p:txBody>
-      </p:sp>
-      <p:sp>
-        <p:nvSpPr>
-          <p:cNvPr id="21" name="CaixaDeTexto 20">
-            <a:extLst>
-              <a:ext uri="{FF2B5EF4-FFF2-40B4-BE49-F238E27FC236}">
-                <a16:creationId xmlns:a16="http://schemas.microsoft.com/office/drawing/2014/main" id="{558076E4-1AE1-41C6-BBE2-1BAF5F55306F}"/>
-              </a:ext>
-            </a:extLst>
-          </p:cNvPr>
-          <p:cNvSpPr txBox="1"/>
-          <p:nvPr/>
-        </p:nvSpPr>
-        <p:spPr>
-          <a:xfrm>
-            <a:off x="2710069" y="625663"/>
-            <a:ext cx="3008240" cy="646331"/>
-          </a:xfrm>
-          <a:prstGeom prst="rect">
-            <a:avLst/>
-          </a:prstGeom>
-          <a:noFill/>
-        </p:spPr>
-        <p:txBody>
           <a:bodyPr wrap="square" rtlCol="0">
             <a:spAutoFit/>
           </a:bodyPr>
@@ -4072,189 +4886,6 @@
             <a:pPr algn="ctr"/>
             <a:r>
               <a:rPr lang="pt-BR" dirty="0"/>
-              <a:t>Não gosta da exposição das grandes redes sociais</a:t>
-            </a:r>
-            <a:endParaRPr lang="pt-BR" i="1" dirty="0"/>
-          </a:p>
-        </p:txBody>
-      </p:sp>
-      <p:sp>
-        <p:nvSpPr>
-          <p:cNvPr id="22" name="CaixaDeTexto 21">
-            <a:extLst>
-              <a:ext uri="{FF2B5EF4-FFF2-40B4-BE49-F238E27FC236}">
-                <a16:creationId xmlns:a16="http://schemas.microsoft.com/office/drawing/2014/main" id="{8063D066-0757-4D3E-B786-0148459B2934}"/>
-              </a:ext>
-            </a:extLst>
-          </p:cNvPr>
-          <p:cNvSpPr txBox="1"/>
-          <p:nvPr/>
-        </p:nvSpPr>
-        <p:spPr>
-          <a:xfrm>
-            <a:off x="6245087" y="592531"/>
-            <a:ext cx="3505196" cy="646331"/>
-          </a:xfrm>
-          <a:prstGeom prst="rect">
-            <a:avLst/>
-          </a:prstGeom>
-          <a:noFill/>
-        </p:spPr>
-        <p:txBody>
-          <a:bodyPr wrap="square" rtlCol="0">
-            <a:spAutoFit/>
-          </a:bodyPr>
-          <a:lstStyle/>
-          <a:p>
-            <a:pPr algn="ctr"/>
-            <a:r>
-              <a:rPr lang="pt-BR" dirty="0"/>
-              <a:t>Se sente pressionado pela idealização incentivada pelas redes</a:t>
-            </a:r>
-            <a:endParaRPr lang="pt-BR" i="1" dirty="0"/>
-          </a:p>
-        </p:txBody>
-      </p:sp>
-      <p:sp>
-        <p:nvSpPr>
-          <p:cNvPr id="23" name="CaixaDeTexto 22">
-            <a:extLst>
-              <a:ext uri="{FF2B5EF4-FFF2-40B4-BE49-F238E27FC236}">
-                <a16:creationId xmlns:a16="http://schemas.microsoft.com/office/drawing/2014/main" id="{0B5FC69A-6C0E-4EBE-A344-6094A927DE31}"/>
-              </a:ext>
-            </a:extLst>
-          </p:cNvPr>
-          <p:cNvSpPr txBox="1"/>
-          <p:nvPr/>
-        </p:nvSpPr>
-        <p:spPr>
-          <a:xfrm>
-            <a:off x="4376532" y="1402284"/>
-            <a:ext cx="3505196" cy="646331"/>
-          </a:xfrm>
-          <a:prstGeom prst="rect">
-            <a:avLst/>
-          </a:prstGeom>
-          <a:noFill/>
-        </p:spPr>
-        <p:txBody>
-          <a:bodyPr wrap="square" rtlCol="0">
-            <a:spAutoFit/>
-          </a:bodyPr>
-          <a:lstStyle/>
-          <a:p>
-            <a:pPr algn="ctr"/>
-            <a:r>
-              <a:rPr lang="pt-BR" dirty="0"/>
-              <a:t>Quer recordar momentos com seus amigos e família</a:t>
-            </a:r>
-            <a:endParaRPr lang="pt-BR" i="1" dirty="0"/>
-          </a:p>
-        </p:txBody>
-      </p:sp>
-      <p:sp>
-        <p:nvSpPr>
-          <p:cNvPr id="25" name="CaixaDeTexto 24">
-            <a:extLst>
-              <a:ext uri="{FF2B5EF4-FFF2-40B4-BE49-F238E27FC236}">
-                <a16:creationId xmlns:a16="http://schemas.microsoft.com/office/drawing/2014/main" id="{7C3669D3-B2A4-41F4-920C-FDDA8B51BA9D}"/>
-              </a:ext>
-            </a:extLst>
-          </p:cNvPr>
-          <p:cNvSpPr txBox="1"/>
-          <p:nvPr/>
-        </p:nvSpPr>
-        <p:spPr>
-          <a:xfrm>
-            <a:off x="7881728" y="2600635"/>
-            <a:ext cx="2878522" cy="646331"/>
-          </a:xfrm>
-          <a:prstGeom prst="rect">
-            <a:avLst/>
-          </a:prstGeom>
-          <a:noFill/>
-        </p:spPr>
-        <p:txBody>
-          <a:bodyPr wrap="square" rtlCol="0">
-            <a:spAutoFit/>
-          </a:bodyPr>
-          <a:lstStyle/>
-          <a:p>
-            <a:pPr algn="ctr"/>
-            <a:r>
-              <a:rPr lang="pt-BR" dirty="0"/>
-              <a:t>Redes sociais com modelos pessoais inalcançáveis</a:t>
-            </a:r>
-          </a:p>
-        </p:txBody>
-      </p:sp>
-      <p:sp>
-        <p:nvSpPr>
-          <p:cNvPr id="26" name="CaixaDeTexto 25">
-            <a:extLst>
-              <a:ext uri="{FF2B5EF4-FFF2-40B4-BE49-F238E27FC236}">
-                <a16:creationId xmlns:a16="http://schemas.microsoft.com/office/drawing/2014/main" id="{380D425E-248D-41CC-B8A6-DD725BDCCF44}"/>
-              </a:ext>
-            </a:extLst>
-          </p:cNvPr>
-          <p:cNvSpPr txBox="1"/>
-          <p:nvPr/>
-        </p:nvSpPr>
-        <p:spPr>
-          <a:xfrm>
-            <a:off x="3412085" y="5082713"/>
-            <a:ext cx="2150163" cy="646331"/>
-          </a:xfrm>
-          <a:prstGeom prst="rect">
-            <a:avLst/>
-          </a:prstGeom>
-          <a:noFill/>
-        </p:spPr>
-        <p:txBody>
-          <a:bodyPr wrap="square" rtlCol="0">
-            <a:spAutoFit/>
-          </a:bodyPr>
-          <a:lstStyle/>
-          <a:p>
-            <a:pPr algn="ctr"/>
-            <a:r>
-              <a:rPr lang="pt-BR" dirty="0"/>
-              <a:t>Tira fotos com os amigos e familiares</a:t>
-            </a:r>
-          </a:p>
-        </p:txBody>
-      </p:sp>
-      <p:sp>
-        <p:nvSpPr>
-          <p:cNvPr id="27" name="CaixaDeTexto 26">
-            <a:extLst>
-              <a:ext uri="{FF2B5EF4-FFF2-40B4-BE49-F238E27FC236}">
-                <a16:creationId xmlns:a16="http://schemas.microsoft.com/office/drawing/2014/main" id="{622367C5-F544-478C-B57F-02702DE1A152}"/>
-              </a:ext>
-            </a:extLst>
-          </p:cNvPr>
-          <p:cNvSpPr txBox="1"/>
-          <p:nvPr/>
-        </p:nvSpPr>
-        <p:spPr>
-          <a:xfrm>
-            <a:off x="6129130" y="5076591"/>
-            <a:ext cx="2597778" cy="646331"/>
-          </a:xfrm>
-          <a:prstGeom prst="rect">
-            <a:avLst/>
-          </a:prstGeom>
-          <a:noFill/>
-        </p:spPr>
-        <p:txBody>
-          <a:bodyPr wrap="square" rtlCol="0">
-            <a:spAutoFit/>
-          </a:bodyPr>
-          <a:lstStyle/>
-          <a:p>
-            <a:pPr algn="ctr"/>
-            <a:r>
-              <a:rPr lang="pt-BR" dirty="0"/>
               <a:t>Pede pra mandar as fotos no grupo do </a:t>
             </a:r>
             <a:r>
@@ -4265,237 +4896,12 @@
           </a:p>
         </p:txBody>
       </p:sp>
-      <p:sp>
-        <p:nvSpPr>
-          <p:cNvPr id="28" name="CaixaDeTexto 27">
-            <a:extLst>
-              <a:ext uri="{FF2B5EF4-FFF2-40B4-BE49-F238E27FC236}">
-                <a16:creationId xmlns:a16="http://schemas.microsoft.com/office/drawing/2014/main" id="{9B3275B1-0CF1-4CFC-A8DF-535ED5F7126D}"/>
-              </a:ext>
-            </a:extLst>
-          </p:cNvPr>
-          <p:cNvSpPr txBox="1"/>
-          <p:nvPr/>
-        </p:nvSpPr>
-        <p:spPr>
-          <a:xfrm>
-            <a:off x="7822506" y="3510027"/>
-            <a:ext cx="2996965" cy="923330"/>
-          </a:xfrm>
-          <a:prstGeom prst="rect">
-            <a:avLst/>
-          </a:prstGeom>
-          <a:noFill/>
-        </p:spPr>
-        <p:txBody>
-          <a:bodyPr wrap="square" rtlCol="0">
-            <a:spAutoFit/>
-          </a:bodyPr>
-          <a:lstStyle/>
-          <a:p>
-            <a:pPr algn="ctr"/>
-            <a:r>
-              <a:rPr lang="pt-BR" dirty="0"/>
-              <a:t>Fotos com os amigos se perdendo em meio a galeria do </a:t>
-            </a:r>
-            <a:r>
-              <a:rPr lang="pt-BR" dirty="0" err="1"/>
-              <a:t>whatsapp</a:t>
-            </a:r>
-            <a:endParaRPr lang="pt-BR" dirty="0"/>
-          </a:p>
-        </p:txBody>
-      </p:sp>
-      <p:sp>
-        <p:nvSpPr>
-          <p:cNvPr id="20" name="CaixaDeTexto 26">
-            <a:extLst>
-              <a:ext uri="{FF2B5EF4-FFF2-40B4-BE49-F238E27FC236}">
-                <a16:creationId xmlns:a16="http://schemas.microsoft.com/office/drawing/2014/main" id="{622367C5-F544-478C-B57F-02702DE1A152}"/>
-              </a:ext>
-            </a:extLst>
-          </p:cNvPr>
-          <p:cNvSpPr txBox="1"/>
-          <p:nvPr/>
-        </p:nvSpPr>
-        <p:spPr>
-          <a:xfrm>
-            <a:off x="1050281" y="2661165"/>
-            <a:ext cx="2597778" cy="646331"/>
-          </a:xfrm>
-          <a:prstGeom prst="rect">
-            <a:avLst/>
-          </a:prstGeom>
-          <a:noFill/>
-        </p:spPr>
-        <p:txBody>
-          <a:bodyPr wrap="square" rtlCol="0">
-            <a:spAutoFit/>
-          </a:bodyPr>
-          <a:lstStyle/>
-          <a:p>
-            <a:pPr algn="ctr"/>
-            <a:r>
-              <a:rPr lang="en-US" dirty="0" err="1" smtClean="0"/>
-              <a:t>Pessoas</a:t>
-            </a:r>
-            <a:r>
-              <a:rPr lang="en-US" dirty="0" smtClean="0"/>
-              <a:t> </a:t>
-            </a:r>
-            <a:r>
-              <a:rPr lang="en-US" dirty="0" err="1" smtClean="0"/>
-              <a:t>pedindo</a:t>
-            </a:r>
-            <a:r>
-              <a:rPr lang="en-US" dirty="0" smtClean="0"/>
-              <a:t> para </a:t>
-            </a:r>
-            <a:r>
-              <a:rPr lang="en-US" dirty="0" err="1" smtClean="0"/>
-              <a:t>enviar</a:t>
-            </a:r>
-            <a:r>
-              <a:rPr lang="en-US" dirty="0" smtClean="0"/>
-              <a:t> as </a:t>
-            </a:r>
-            <a:r>
-              <a:rPr lang="en-US" dirty="0" err="1" smtClean="0"/>
-              <a:t>fotos</a:t>
-            </a:r>
-            <a:endParaRPr lang="pt-BR" dirty="0"/>
-          </a:p>
-        </p:txBody>
-      </p:sp>
-      <p:sp>
-        <p:nvSpPr>
-          <p:cNvPr id="24" name="CaixaDeTexto 26">
-            <a:extLst>
-              <a:ext uri="{FF2B5EF4-FFF2-40B4-BE49-F238E27FC236}">
-                <a16:creationId xmlns:a16="http://schemas.microsoft.com/office/drawing/2014/main" id="{622367C5-F544-478C-B57F-02702DE1A152}"/>
-              </a:ext>
-            </a:extLst>
-          </p:cNvPr>
-          <p:cNvSpPr txBox="1"/>
-          <p:nvPr/>
-        </p:nvSpPr>
-        <p:spPr>
-          <a:xfrm>
-            <a:off x="1050281" y="3587180"/>
-            <a:ext cx="2597778" cy="1200329"/>
-          </a:xfrm>
-          <a:prstGeom prst="rect">
-            <a:avLst/>
-          </a:prstGeom>
-          <a:noFill/>
-        </p:spPr>
-        <p:txBody>
-          <a:bodyPr wrap="square" rtlCol="0">
-            <a:spAutoFit/>
-          </a:bodyPr>
-          <a:lstStyle/>
-          <a:p>
-            <a:pPr algn="ctr"/>
-            <a:r>
-              <a:rPr lang="en-US" dirty="0" err="1" smtClean="0"/>
-              <a:t>Pessoas</a:t>
-            </a:r>
-            <a:r>
-              <a:rPr lang="en-US" dirty="0" smtClean="0"/>
-              <a:t> e </a:t>
-            </a:r>
-            <a:r>
-              <a:rPr lang="en-US" dirty="0" err="1" smtClean="0"/>
-              <a:t>reportagens</a:t>
-            </a:r>
-            <a:r>
-              <a:rPr lang="en-US" dirty="0" smtClean="0"/>
-              <a:t> </a:t>
-            </a:r>
-            <a:r>
-              <a:rPr lang="en-US" dirty="0" err="1" smtClean="0"/>
-              <a:t>falando</a:t>
-            </a:r>
-            <a:r>
-              <a:rPr lang="en-US" dirty="0" smtClean="0"/>
-              <a:t> </a:t>
-            </a:r>
-            <a:r>
-              <a:rPr lang="en-US" dirty="0" err="1" smtClean="0"/>
-              <a:t>sobre</a:t>
-            </a:r>
-            <a:r>
-              <a:rPr lang="en-US" dirty="0" smtClean="0"/>
-              <a:t> a utopia </a:t>
-            </a:r>
-            <a:r>
-              <a:rPr lang="en-US" dirty="0" err="1" smtClean="0"/>
-              <a:t>promovida</a:t>
-            </a:r>
-            <a:r>
-              <a:rPr lang="en-US" dirty="0" smtClean="0"/>
-              <a:t> </a:t>
-            </a:r>
-            <a:r>
-              <a:rPr lang="en-US" dirty="0" err="1" smtClean="0"/>
-              <a:t>pelas</a:t>
-            </a:r>
-            <a:r>
-              <a:rPr lang="en-US" dirty="0" smtClean="0"/>
-              <a:t> </a:t>
-            </a:r>
-            <a:r>
-              <a:rPr lang="en-US" dirty="0" err="1" smtClean="0"/>
-              <a:t>redes</a:t>
-            </a:r>
-            <a:r>
-              <a:rPr lang="en-US" dirty="0" smtClean="0"/>
-              <a:t> </a:t>
-            </a:r>
-            <a:r>
-              <a:rPr lang="en-US" dirty="0" err="1" smtClean="0"/>
-              <a:t>sociais</a:t>
-            </a:r>
-            <a:endParaRPr lang="pt-BR" dirty="0"/>
-          </a:p>
-        </p:txBody>
-      </p:sp>
-    </p:spTree>
-    <p:extLst>
-      <p:ext uri="{BB962C8B-B14F-4D97-AF65-F5344CB8AC3E}">
-        <p14:creationId xmlns:p14="http://schemas.microsoft.com/office/powerpoint/2010/main" val="2729364506"/>
-      </p:ext>
-    </p:extLst>
-  </p:cSld>
-  <p:clrMapOvr>
-    <a:masterClrMapping/>
-  </p:clrMapOvr>
-</p:sld>
-</file>
-
-<file path=ppt/slides/slide2.xml><?xml version="1.0" encoding="utf-8"?>
-<p:sld xmlns:a="http://schemas.openxmlformats.org/drawingml/2006/main" xmlns:r="http://schemas.openxmlformats.org/officeDocument/2006/relationships" xmlns:p="http://schemas.openxmlformats.org/presentationml/2006/main">
-  <p:cSld>
-    <p:spTree>
-      <p:nvGrpSpPr>
-        <p:cNvPr id="1" name=""/>
-        <p:cNvGrpSpPr/>
-        <p:nvPr/>
-      </p:nvGrpSpPr>
-      <p:grpSpPr>
-        <a:xfrm>
-          <a:off x="0" y="0"/>
-          <a:ext cx="0" cy="0"/>
-          <a:chOff x="0" y="0"/>
-          <a:chExt cx="0" cy="0"/>
-        </a:xfrm>
-      </p:grpSpPr>
       <p:pic>
         <p:nvPicPr>
-          <p:cNvPr id="2050" name="Picture 2" descr="Imagem relacionada">
-            <a:extLst>
-              <a:ext uri="{FF2B5EF4-FFF2-40B4-BE49-F238E27FC236}">
-                <a16:creationId xmlns:a16="http://schemas.microsoft.com/office/drawing/2014/main" id="{36995C4B-83DA-4CE3-8F9D-3CB976361167}"/>
+          <p:cNvPr id="41" name="Picture 2" descr="Imagem relacionada">
+            <a:extLst>
+              <a:ext uri="{FF2B5EF4-FFF2-40B4-BE49-F238E27FC236}">
+                <a16:creationId xmlns:a16="http://schemas.microsoft.com/office/drawing/2014/main" id="{D43FB18B-A0B6-421C-9CCE-1AB6EBDBD9A5}"/>
               </a:ext>
             </a:extLst>
           </p:cNvPr>
@@ -4504,23 +4910,145 @@
           </p:cNvPicPr>
           <p:nvPr/>
         </p:nvPicPr>
-        <p:blipFill>
+        <p:blipFill rotWithShape="1">
           <a:blip r:embed="rId2">
             <a:extLst>
+              <a:ext uri="{BEBA8EAE-BF5A-486C-A8C5-ECC9F3942E4B}">
+                <a14:imgProps xmlns:a14="http://schemas.microsoft.com/office/drawing/2010/main">
+                  <a14:imgLayer r:embed="rId3">
+                    <a14:imgEffect>
+                      <a14:backgroundRemoval t="28448" b="61207" l="38672" r="61426">
+                        <a14:foregroundMark x1="43750" y1="57389" x2="45508" y2="48645"/>
+                        <a14:foregroundMark x1="45508" y1="48645" x2="45117" y2="41010"/>
+                        <a14:foregroundMark x1="45117" y1="41010" x2="44824" y2="48276"/>
+                        <a14:foregroundMark x1="44824" y1="48276" x2="53711" y2="48399"/>
+                        <a14:foregroundMark x1="53711" y1="48399" x2="57129" y2="41872"/>
+                        <a14:foregroundMark x1="57129" y1="41872" x2="52051" y2="35222"/>
+                        <a14:foregroundMark x1="52051" y1="35222" x2="49316" y2="44458"/>
+                        <a14:foregroundMark x1="49316" y1="44458" x2="54980" y2="45813"/>
+                        <a14:foregroundMark x1="54980" y1="45813" x2="59570" y2="41133"/>
+                        <a14:foregroundMark x1="59570" y1="41133" x2="53027" y2="32266"/>
+                        <a14:foregroundMark x1="53027" y1="32266" x2="42969" y2="44212"/>
+                        <a14:foregroundMark x1="42969" y1="44212" x2="45703" y2="53695"/>
+                        <a14:foregroundMark x1="45703" y1="53695" x2="57324" y2="55542"/>
+                        <a14:foregroundMark x1="57324" y1="55542" x2="56348" y2="47783"/>
+                        <a14:foregroundMark x1="56348" y1="47783" x2="50879" y2="50862"/>
+                        <a14:foregroundMark x1="50879" y1="50862" x2="56543" y2="47291"/>
+                        <a14:foregroundMark x1="56543" y1="47291" x2="56152" y2="46429"/>
+                        <a14:foregroundMark x1="57715" y1="50369" x2="62305" y2="45567"/>
+                        <a14:foregroundMark x1="62305" y1="45567" x2="52051" y2="55172"/>
+                        <a14:foregroundMark x1="52051" y1="55172" x2="58008" y2="52217"/>
+                        <a14:foregroundMark x1="58008" y1="52217" x2="49902" y2="51478"/>
+                        <a14:foregroundMark x1="49902" y1="51478" x2="59668" y2="46305"/>
+                        <a14:foregroundMark x1="59668" y1="46305" x2="45313" y2="53079"/>
+                        <a14:foregroundMark x1="45313" y1="53079" x2="63574" y2="38054"/>
+                        <a14:foregroundMark x1="59543" y1="37859" x2="40723" y2="36946"/>
+                        <a14:foregroundMark x1="61629" y1="37960" x2="60061" y2="37884"/>
+                        <a14:foregroundMark x1="63574" y1="38054" x2="61801" y2="37968"/>
+                        <a14:foregroundMark x1="40723" y1="36946" x2="59375" y2="30172"/>
+                        <a14:foregroundMark x1="59375" y1="30172" x2="45313" y2="34113"/>
+                        <a14:foregroundMark x1="45313" y1="34113" x2="59488" y2="32564"/>
+                        <a14:foregroundMark x1="59512" y1="32624" x2="47168" y2="35714"/>
+                        <a14:foregroundMark x1="47168" y1="35714" x2="48828" y2="35714"/>
+                        <a14:foregroundMark x1="46289" y1="28079" x2="45410" y2="46305"/>
+                        <a14:foregroundMark x1="45410" y1="46305" x2="48535" y2="32759"/>
+                        <a14:foregroundMark x1="48535" y1="32759" x2="41113" y2="50862"/>
+                        <a14:foregroundMark x1="41113" y1="50862" x2="43262" y2="43103"/>
+                        <a14:foregroundMark x1="43262" y1="43103" x2="39160" y2="51601"/>
+                        <a14:foregroundMark x1="39160" y1="51601" x2="46191" y2="35591"/>
+                        <a14:foregroundMark x1="46191" y1="35591" x2="41504" y2="47414"/>
+                        <a14:foregroundMark x1="41504" y1="47414" x2="43652" y2="33867"/>
+                        <a14:foregroundMark x1="43652" y1="33867" x2="41211" y2="47660"/>
+                        <a14:foregroundMark x1="41211" y1="47660" x2="47559" y2="46305"/>
+                        <a14:foregroundMark x1="47559" y1="46305" x2="43457" y2="59236"/>
+                        <a14:foregroundMark x1="43457" y1="59236" x2="48145" y2="55419"/>
+                        <a14:foregroundMark x1="48145" y1="55419" x2="45801" y2="63793"/>
+                        <a14:foregroundMark x1="45801" y1="63793" x2="53320" y2="54433"/>
+                        <a14:foregroundMark x1="53320" y1="54433" x2="52246" y2="63670"/>
+                        <a14:foregroundMark x1="52246" y1="63670" x2="56055" y2="58621"/>
+                        <a14:foregroundMark x1="56055" y1="58621" x2="51660" y2="65148"/>
+                        <a14:foregroundMark x1="51660" y1="65148" x2="63867" y2="45443"/>
+                        <a14:foregroundMark x1="63867" y1="45443" x2="58691" y2="49877"/>
+                        <a14:foregroundMark x1="58691" y1="49877" x2="65820" y2="46059"/>
+                        <a14:foregroundMark x1="65820" y1="46059" x2="59863" y2="47414"/>
+                        <a14:foregroundMark x1="59863" y1="47414" x2="54980" y2="40640"/>
+                        <a14:foregroundMark x1="54980" y1="40640" x2="48828" y2="44089"/>
+                        <a14:foregroundMark x1="48828" y1="44089" x2="48633" y2="36700"/>
+                        <a14:foregroundMark x1="48633" y1="36700" x2="55859" y2="38547"/>
+                        <a14:foregroundMark x1="55859" y1="38547" x2="60197" y2="34397"/>
+                        <a14:foregroundMark x1="59684" y1="33069" x2="53809" y2="32882"/>
+                        <a14:foregroundMark x1="53809" y1="32882" x2="48145" y2="35961"/>
+                        <a14:foregroundMark x1="48145" y1="35961" x2="54199" y2="38300"/>
+                        <a14:foregroundMark x1="54199" y1="38300" x2="49316" y2="42734"/>
+                        <a14:foregroundMark x1="49316" y1="42734" x2="51074" y2="41256"/>
+                        <a14:foregroundMark x1="43262" y1="46059" x2="43555" y2="39039"/>
+                        <a14:foregroundMark x1="43555" y1="39039" x2="39941" y2="45074"/>
+                        <a14:foregroundMark x1="39941" y1="45074" x2="47461" y2="45074"/>
+                        <a14:foregroundMark x1="47461" y1="45074" x2="44336" y2="51724"/>
+                        <a14:foregroundMark x1="44336" y1="51724" x2="44336" y2="58990"/>
+                        <a14:foregroundMark x1="44336" y1="58990" x2="50977" y2="60714"/>
+                        <a14:foregroundMark x1="50977" y1="60714" x2="45313" y2="58744"/>
+                        <a14:foregroundMark x1="45313" y1="58744" x2="52441" y2="47660"/>
+                        <a14:foregroundMark x1="52441" y1="47660" x2="49512" y2="38793"/>
+                        <a14:foregroundMark x1="49512" y1="38793" x2="43848" y2="37069"/>
+                        <a14:foregroundMark x1="43848" y1="37069" x2="51660" y2="32389"/>
+                        <a14:foregroundMark x1="51660" y1="32389" x2="43457" y2="31897"/>
+                        <a14:foregroundMark x1="43457" y1="31897" x2="48438" y2="38300"/>
+                        <a14:foregroundMark x1="48438" y1="38300" x2="56836" y2="34236"/>
+                        <a14:foregroundMark x1="56836" y1="34236" x2="58594" y2="30049"/>
+                        <a14:foregroundMark x1="43164" y1="38177" x2="41211" y2="45443"/>
+                        <a14:foregroundMark x1="41211" y1="45443" x2="41895" y2="36330"/>
+                        <a14:foregroundMark x1="41895" y1="36330" x2="41895" y2="46059"/>
+                        <a14:foregroundMark x1="60352" y1="40764" x2="61230" y2="47660"/>
+                        <a14:foregroundMark x1="42676" y1="49754" x2="44434" y2="55296"/>
+                        <a14:foregroundMark x1="43848" y1="59113" x2="50000" y2="59483"/>
+                        <a14:foregroundMark x1="50000" y1="59483" x2="55566" y2="59360"/>
+                        <a14:foregroundMark x1="55566" y1="59360" x2="55664" y2="59360"/>
+                        <a14:foregroundMark x1="44727" y1="58251" x2="44727" y2="61576"/>
+                        <a14:foregroundMark x1="44043" y1="58251" x2="43750" y2="61576"/>
+                        <a14:foregroundMark x1="58789" y1="53818" x2="55957" y2="58990"/>
+                        <a14:foregroundMark x1="59506" y1="53515" x2="55859" y2="59729"/>
+                        <a14:foregroundMark x1="55859" y1="59729" x2="55371" y2="60099"/>
+                        <a14:foregroundMark x1="57422" y1="54187" x2="55957" y2="58990"/>
+                        <a14:foregroundMark x1="58757" y1="56006" x2="54199" y2="59360"/>
+                        <a14:foregroundMark x1="56152" y1="59483" x2="57910" y2="54187"/>
+                        <a14:foregroundMark x1="58008" y1="59975" x2="56152" y2="51478"/>
+                        <a14:foregroundMark x1="58267" y1="56610" x2="55957" y2="51108"/>
+                        <a14:foregroundMark x1="59473" y1="59483" x2="58757" y2="57778"/>
+                        <a14:foregroundMark x1="41699" y1="40148" x2="38672" y2="43596"/>
+                        <a14:foregroundMark x1="48047" y1="32882" x2="53223" y2="29310"/>
+                        <a14:foregroundMark x1="53223" y1="29310" x2="53516" y2="28818"/>
+                        <a14:foregroundMark x1="48730" y1="33374" x2="47559" y2="28448"/>
+                        <a14:foregroundMark x1="50000" y1="32759" x2="48730" y2="28695"/>
+                        <a14:backgroundMark x1="40625" y1="33867" x2="41309" y2="34975"/>
+                        <a14:backgroundMark x1="41602" y1="57512" x2="40234" y2="55911"/>
+                        <a14:backgroundMark x1="62207" y1="55665" x2="59961" y2="57512"/>
+                        <a14:backgroundMark x1="60840" y1="58128" x2="61426" y2="55296"/>
+                        <a14:backgroundMark x1="61719" y1="55296" x2="59766" y2="58005"/>
+                        <a14:backgroundMark x1="61035" y1="54310" x2="59668" y2="58251"/>
+                        <a14:backgroundMark x1="60840" y1="31281" x2="62695" y2="36084"/>
+                        <a14:backgroundMark x1="61426" y1="37192" x2="60840" y2="32512"/>
+                        <a14:backgroundMark x1="59961" y1="36700" x2="63184" y2="33744"/>
+                        <a14:backgroundMark x1="40527" y1="54926" x2="41895" y2="58128"/>
+                        <a14:backgroundMark x1="42090" y1="57882" x2="40430" y2="54926"/>
+                        <a14:backgroundMark x1="42773" y1="55542" x2="40430" y2="54187"/>
+                      </a14:backgroundRemoval>
+                    </a14:imgEffect>
+                  </a14:imgLayer>
+                </a14:imgProps>
+              </a:ext>
               <a:ext uri="{28A0092B-C50C-407E-A947-70E740481C1C}">
                 <a14:useLocalDpi xmlns:a14="http://schemas.microsoft.com/office/drawing/2010/main" val="0"/>
               </a:ext>
             </a:extLst>
           </a:blip>
-          <a:srcRect/>
-          <a:stretch>
-            <a:fillRect/>
-          </a:stretch>
+          <a:srcRect l="41022" t="31005" r="39008" b="40000"/>
+          <a:stretch/>
         </p:blipFill>
         <p:spPr bwMode="auto">
           <a:xfrm>
-            <a:off x="1771650" y="0"/>
-            <a:ext cx="8648700" cy="6858000"/>
+            <a:off x="5392311" y="2618062"/>
+            <a:ext cx="1407377" cy="1620258"/>
           </a:xfrm>
           <a:prstGeom prst="rect">
             <a:avLst/>
@@ -4540,7 +5068,7 @@
     </p:spTree>
     <p:extLst>
       <p:ext uri="{BB962C8B-B14F-4D97-AF65-F5344CB8AC3E}">
-        <p14:creationId xmlns:p14="http://schemas.microsoft.com/office/powerpoint/2010/main" val="1312654289"/>
+        <p14:creationId xmlns:p14="http://schemas.microsoft.com/office/powerpoint/2010/main" val="2729364506"/>
       </p:ext>
     </p:extLst>
   </p:cSld>

--- a/mapa de empatia.pptx
+++ b/mapa de empatia.pptx
@@ -5,7 +5,7 @@
     <p:sldMasterId id="2147483648" r:id="rId1"/>
   </p:sldMasterIdLst>
   <p:sldIdLst>
-    <p:sldId id="256" r:id="rId2"/>
+    <p:sldId id="257" r:id="rId2"/>
   </p:sldIdLst>
   <p:sldSz cx="12192000" cy="6858000"/>
   <p:notesSz cx="6858000" cy="9144000"/>
@@ -259,7 +259,7 @@
           <a:p>
             <a:fld id="{7386F441-87CA-4171-91A1-D72CAF80283A}" type="datetimeFigureOut">
               <a:rPr lang="pt-BR" smtClean="0"/>
-              <a:t>03/09/2019</a:t>
+              <a:t>05/09/2019</a:t>
             </a:fld>
             <a:endParaRPr lang="pt-BR"/>
           </a:p>
@@ -486,7 +486,7 @@
           <a:p>
             <a:fld id="{7386F441-87CA-4171-91A1-D72CAF80283A}" type="datetimeFigureOut">
               <a:rPr lang="pt-BR" smtClean="0"/>
-              <a:t>03/09/2019</a:t>
+              <a:t>05/09/2019</a:t>
             </a:fld>
             <a:endParaRPr lang="pt-BR"/>
           </a:p>
@@ -723,7 +723,7 @@
           <a:p>
             <a:fld id="{7386F441-87CA-4171-91A1-D72CAF80283A}" type="datetimeFigureOut">
               <a:rPr lang="pt-BR" smtClean="0"/>
-              <a:t>03/09/2019</a:t>
+              <a:t>05/09/2019</a:t>
             </a:fld>
             <a:endParaRPr lang="pt-BR"/>
           </a:p>
@@ -950,7 +950,7 @@
           <a:p>
             <a:fld id="{7386F441-87CA-4171-91A1-D72CAF80283A}" type="datetimeFigureOut">
               <a:rPr lang="pt-BR" smtClean="0"/>
-              <a:t>03/09/2019</a:t>
+              <a:t>05/09/2019</a:t>
             </a:fld>
             <a:endParaRPr lang="pt-BR"/>
           </a:p>
@@ -1254,7 +1254,7 @@
           <a:p>
             <a:fld id="{7386F441-87CA-4171-91A1-D72CAF80283A}" type="datetimeFigureOut">
               <a:rPr lang="pt-BR" smtClean="0"/>
-              <a:t>03/09/2019</a:t>
+              <a:t>05/09/2019</a:t>
             </a:fld>
             <a:endParaRPr lang="pt-BR"/>
           </a:p>
@@ -1548,7 +1548,7 @@
           <a:p>
             <a:fld id="{7386F441-87CA-4171-91A1-D72CAF80283A}" type="datetimeFigureOut">
               <a:rPr lang="pt-BR" smtClean="0"/>
-              <a:t>03/09/2019</a:t>
+              <a:t>05/09/2019</a:t>
             </a:fld>
             <a:endParaRPr lang="pt-BR"/>
           </a:p>
@@ -1989,7 +1989,7 @@
           <a:p>
             <a:fld id="{7386F441-87CA-4171-91A1-D72CAF80283A}" type="datetimeFigureOut">
               <a:rPr lang="pt-BR" smtClean="0"/>
-              <a:t>03/09/2019</a:t>
+              <a:t>05/09/2019</a:t>
             </a:fld>
             <a:endParaRPr lang="pt-BR"/>
           </a:p>
@@ -2159,7 +2159,7 @@
           <a:p>
             <a:fld id="{7386F441-87CA-4171-91A1-D72CAF80283A}" type="datetimeFigureOut">
               <a:rPr lang="pt-BR" smtClean="0"/>
-              <a:t>03/09/2019</a:t>
+              <a:t>05/09/2019</a:t>
             </a:fld>
             <a:endParaRPr lang="pt-BR"/>
           </a:p>
@@ -2301,7 +2301,7 @@
           <a:p>
             <a:fld id="{7386F441-87CA-4171-91A1-D72CAF80283A}" type="datetimeFigureOut">
               <a:rPr lang="pt-BR" smtClean="0"/>
-              <a:t>03/09/2019</a:t>
+              <a:t>05/09/2019</a:t>
             </a:fld>
             <a:endParaRPr lang="pt-BR"/>
           </a:p>
@@ -2641,7 +2641,7 @@
           <a:p>
             <a:fld id="{7386F441-87CA-4171-91A1-D72CAF80283A}" type="datetimeFigureOut">
               <a:rPr lang="pt-BR" smtClean="0"/>
-              <a:t>03/09/2019</a:t>
+              <a:t>05/09/2019</a:t>
             </a:fld>
             <a:endParaRPr lang="pt-BR"/>
           </a:p>
@@ -2958,7 +2958,7 @@
           <a:p>
             <a:fld id="{7386F441-87CA-4171-91A1-D72CAF80283A}" type="datetimeFigureOut">
               <a:rPr lang="pt-BR" smtClean="0"/>
-              <a:t>03/09/2019</a:t>
+              <a:t>05/09/2019</a:t>
             </a:fld>
             <a:endParaRPr lang="pt-BR"/>
           </a:p>
@@ -3228,7 +3228,7 @@
           <a:p>
             <a:fld id="{7386F441-87CA-4171-91A1-D72CAF80283A}" type="datetimeFigureOut">
               <a:rPr lang="pt-BR" smtClean="0"/>
-              <a:t>03/09/2019</a:t>
+              <a:t>05/09/2019</a:t>
             </a:fld>
             <a:endParaRPr lang="pt-BR"/>
           </a:p>
@@ -3659,7 +3659,7 @@
         </p:nvSpPr>
         <p:spPr>
           <a:xfrm>
-            <a:off x="9009335" y="2281807"/>
+            <a:off x="9009335" y="1989606"/>
             <a:ext cx="2860697" cy="1134084"/>
           </a:xfrm>
           <a:prstGeom prst="rect">
@@ -3697,7 +3697,7 @@
           <a:lstStyle/>
           <a:p>
             <a:pPr algn="ctr"/>
-            <a:endParaRPr lang="pt-BR" dirty="0"/>
+            <a:endParaRPr lang="pt-BR" sz="1600" dirty="0"/>
           </a:p>
         </p:txBody>
       </p:sp>
@@ -3715,7 +3715,7 @@
         </p:nvSpPr>
         <p:spPr>
           <a:xfrm>
-            <a:off x="9009335" y="3656211"/>
+            <a:off x="9009335" y="3364010"/>
             <a:ext cx="2860697" cy="1134084"/>
           </a:xfrm>
           <a:prstGeom prst="rect">
@@ -3753,16 +3753,16 @@
           <a:lstStyle/>
           <a:p>
             <a:pPr algn="ctr"/>
-            <a:endParaRPr lang="pt-BR" dirty="0"/>
-          </a:p>
-        </p:txBody>
-      </p:sp>
-      <p:sp>
-        <p:nvSpPr>
-          <p:cNvPr id="37" name="Retângulo 36">
-            <a:extLst>
-              <a:ext uri="{FF2B5EF4-FFF2-40B4-BE49-F238E27FC236}">
-                <a16:creationId xmlns:a16="http://schemas.microsoft.com/office/drawing/2014/main" id="{0D7F4992-168F-4204-994D-FF2647340395}"/>
+            <a:endParaRPr lang="pt-BR" sz="1600" dirty="0"/>
+          </a:p>
+        </p:txBody>
+      </p:sp>
+      <p:sp>
+        <p:nvSpPr>
+          <p:cNvPr id="36" name="Retângulo 35">
+            <a:extLst>
+              <a:ext uri="{FF2B5EF4-FFF2-40B4-BE49-F238E27FC236}">
+                <a16:creationId xmlns:a16="http://schemas.microsoft.com/office/drawing/2014/main" id="{78A5E772-23FE-48DE-99DA-5FDB0BD26C86}"/>
               </a:ext>
             </a:extLst>
           </p:cNvPr>
@@ -3771,7 +3771,7 @@
         </p:nvSpPr>
         <p:spPr>
           <a:xfrm>
-            <a:off x="3081983" y="5498240"/>
+            <a:off x="352746" y="1984150"/>
             <a:ext cx="2860697" cy="1134084"/>
           </a:xfrm>
           <a:prstGeom prst="rect">
@@ -3809,16 +3809,16 @@
           <a:lstStyle/>
           <a:p>
             <a:pPr algn="ctr"/>
-            <a:endParaRPr lang="pt-BR" dirty="0"/>
-          </a:p>
-        </p:txBody>
-      </p:sp>
-      <p:sp>
-        <p:nvSpPr>
-          <p:cNvPr id="36" name="Retângulo 35">
-            <a:extLst>
-              <a:ext uri="{FF2B5EF4-FFF2-40B4-BE49-F238E27FC236}">
-                <a16:creationId xmlns:a16="http://schemas.microsoft.com/office/drawing/2014/main" id="{78A5E772-23FE-48DE-99DA-5FDB0BD26C86}"/>
+            <a:endParaRPr lang="pt-BR" sz="1600" dirty="0"/>
+          </a:p>
+        </p:txBody>
+      </p:sp>
+      <p:sp>
+        <p:nvSpPr>
+          <p:cNvPr id="35" name="Retângulo 34">
+            <a:extLst>
+              <a:ext uri="{FF2B5EF4-FFF2-40B4-BE49-F238E27FC236}">
+                <a16:creationId xmlns:a16="http://schemas.microsoft.com/office/drawing/2014/main" id="{1AE8AB6D-531E-4A79-9CDD-8054B14FC613}"/>
               </a:ext>
             </a:extLst>
           </p:cNvPr>
@@ -3827,7 +3827,7 @@
         </p:nvSpPr>
         <p:spPr>
           <a:xfrm>
-            <a:off x="352746" y="2294107"/>
+            <a:off x="333799" y="3346254"/>
             <a:ext cx="2860697" cy="1134084"/>
           </a:xfrm>
           <a:prstGeom prst="rect">
@@ -3865,16 +3865,16 @@
           <a:lstStyle/>
           <a:p>
             <a:pPr algn="ctr"/>
-            <a:endParaRPr lang="pt-BR" dirty="0"/>
-          </a:p>
-        </p:txBody>
-      </p:sp>
-      <p:sp>
-        <p:nvSpPr>
-          <p:cNvPr id="35" name="Retângulo 34">
-            <a:extLst>
-              <a:ext uri="{FF2B5EF4-FFF2-40B4-BE49-F238E27FC236}">
-                <a16:creationId xmlns:a16="http://schemas.microsoft.com/office/drawing/2014/main" id="{1AE8AB6D-531E-4A79-9CDD-8054B14FC613}"/>
+            <a:endParaRPr lang="pt-BR" sz="1600" dirty="0"/>
+          </a:p>
+        </p:txBody>
+      </p:sp>
+      <p:sp>
+        <p:nvSpPr>
+          <p:cNvPr id="32" name="Retângulo 31">
+            <a:extLst>
+              <a:ext uri="{FF2B5EF4-FFF2-40B4-BE49-F238E27FC236}">
+                <a16:creationId xmlns:a16="http://schemas.microsoft.com/office/drawing/2014/main" id="{2FAF6651-BA13-47A7-8BB0-95614D942F55}"/>
               </a:ext>
             </a:extLst>
           </p:cNvPr>
@@ -3883,7 +3883,7 @@
         </p:nvSpPr>
         <p:spPr>
           <a:xfrm>
-            <a:off x="333799" y="3656211"/>
+            <a:off x="7172180" y="20543"/>
             <a:ext cx="2860697" cy="1134084"/>
           </a:xfrm>
           <a:prstGeom prst="rect">
@@ -3921,16 +3921,16 @@
           <a:lstStyle/>
           <a:p>
             <a:pPr algn="ctr"/>
-            <a:endParaRPr lang="pt-BR" dirty="0"/>
-          </a:p>
-        </p:txBody>
-      </p:sp>
-      <p:sp>
-        <p:nvSpPr>
-          <p:cNvPr id="32" name="Retângulo 31">
-            <a:extLst>
-              <a:ext uri="{FF2B5EF4-FFF2-40B4-BE49-F238E27FC236}">
-                <a16:creationId xmlns:a16="http://schemas.microsoft.com/office/drawing/2014/main" id="{2FAF6651-BA13-47A7-8BB0-95614D942F55}"/>
+            <a:endParaRPr lang="pt-BR" sz="1600" dirty="0"/>
+          </a:p>
+        </p:txBody>
+      </p:sp>
+      <p:sp>
+        <p:nvSpPr>
+          <p:cNvPr id="13" name="Retângulo 12">
+            <a:extLst>
+              <a:ext uri="{FF2B5EF4-FFF2-40B4-BE49-F238E27FC236}">
+                <a16:creationId xmlns:a16="http://schemas.microsoft.com/office/drawing/2014/main" id="{D7C335B6-F103-4D4D-A7E1-18468A3AA7F4}"/>
               </a:ext>
             </a:extLst>
           </p:cNvPr>
@@ -3939,7 +3939,7 @@
         </p:nvSpPr>
         <p:spPr>
           <a:xfrm>
-            <a:off x="7172180" y="20543"/>
+            <a:off x="2177429" y="140429"/>
             <a:ext cx="2860697" cy="1134084"/>
           </a:xfrm>
           <a:prstGeom prst="rect">
@@ -3977,63 +3977,7 @@
           <a:lstStyle/>
           <a:p>
             <a:pPr algn="ctr"/>
-            <a:endParaRPr lang="pt-BR" dirty="0"/>
-          </a:p>
-        </p:txBody>
-      </p:sp>
-      <p:sp>
-        <p:nvSpPr>
-          <p:cNvPr id="13" name="Retângulo 12">
-            <a:extLst>
-              <a:ext uri="{FF2B5EF4-FFF2-40B4-BE49-F238E27FC236}">
-                <a16:creationId xmlns:a16="http://schemas.microsoft.com/office/drawing/2014/main" id="{D7C335B6-F103-4D4D-A7E1-18468A3AA7F4}"/>
-              </a:ext>
-            </a:extLst>
-          </p:cNvPr>
-          <p:cNvSpPr/>
-          <p:nvPr/>
-        </p:nvSpPr>
-        <p:spPr>
-          <a:xfrm>
-            <a:off x="2177429" y="140429"/>
-            <a:ext cx="2860697" cy="1134084"/>
-          </a:xfrm>
-          <a:prstGeom prst="rect">
-            <a:avLst/>
-          </a:prstGeom>
-          <a:solidFill>
-            <a:srgbClr val="F9EA8F"/>
-          </a:solidFill>
-          <a:ln>
-            <a:solidFill>
-              <a:schemeClr val="bg1">
-                <a:lumMod val="95000"/>
-              </a:schemeClr>
-            </a:solidFill>
-          </a:ln>
-        </p:spPr>
-        <p:style>
-          <a:lnRef idx="2">
-            <a:schemeClr val="accent1">
-              <a:shade val="50000"/>
-            </a:schemeClr>
-          </a:lnRef>
-          <a:fillRef idx="1">
-            <a:schemeClr val="accent1"/>
-          </a:fillRef>
-          <a:effectRef idx="0">
-            <a:schemeClr val="accent1"/>
-          </a:effectRef>
-          <a:fontRef idx="minor">
-            <a:schemeClr val="lt1"/>
-          </a:fontRef>
-        </p:style>
-        <p:txBody>
-          <a:bodyPr rtlCol="0" anchor="ctr"/>
-          <a:lstStyle/>
-          <a:p>
-            <a:pPr algn="ctr"/>
-            <a:endParaRPr lang="pt-BR" dirty="0"/>
+            <a:endParaRPr lang="pt-BR" sz="1600" dirty="0"/>
           </a:p>
         </p:txBody>
       </p:sp>
@@ -4248,7 +4192,7 @@
         <p:spPr>
           <a:xfrm>
             <a:off x="2097147" y="417438"/>
-            <a:ext cx="3008240" cy="646331"/>
+            <a:ext cx="3008240" cy="584775"/>
           </a:xfrm>
           <a:prstGeom prst="rect">
             <a:avLst/>
@@ -4263,10 +4207,10 @@
           <a:p>
             <a:pPr algn="ctr"/>
             <a:r>
-              <a:rPr lang="pt-BR" dirty="0"/>
+              <a:rPr lang="pt-BR" sz="1600" dirty="0"/>
               <a:t>Não gosta da exposição das grandes redes sociais</a:t>
             </a:r>
-            <a:endParaRPr lang="pt-BR" i="1" dirty="0"/>
+            <a:endParaRPr lang="pt-BR" sz="1600" i="1" dirty="0"/>
           </a:p>
         </p:txBody>
       </p:sp>
@@ -4285,7 +4229,7 @@
         <p:spPr>
           <a:xfrm>
             <a:off x="7172180" y="167750"/>
-            <a:ext cx="2829315" cy="923330"/>
+            <a:ext cx="2829315" cy="830997"/>
           </a:xfrm>
           <a:prstGeom prst="rect">
             <a:avLst/>
@@ -4300,10 +4244,10 @@
           <a:p>
             <a:pPr algn="ctr"/>
             <a:r>
-              <a:rPr lang="pt-BR" dirty="0"/>
+              <a:rPr lang="pt-BR" sz="1600" dirty="0"/>
               <a:t>Se sente pressionado pela idealização incentivada pelas redes</a:t>
             </a:r>
-            <a:endParaRPr lang="pt-BR" i="1" dirty="0"/>
+            <a:endParaRPr lang="pt-BR" sz="1600" i="1" dirty="0"/>
           </a:p>
         </p:txBody>
       </p:sp>
@@ -4321,8 +4265,8 @@
         </p:nvSpPr>
         <p:spPr>
           <a:xfrm>
-            <a:off x="9009335" y="2542708"/>
-            <a:ext cx="2878522" cy="646331"/>
+            <a:off x="9009335" y="2250507"/>
+            <a:ext cx="2878522" cy="584775"/>
           </a:xfrm>
           <a:prstGeom prst="rect">
             <a:avLst/>
@@ -4337,7 +4281,7 @@
           <a:p>
             <a:pPr algn="ctr"/>
             <a:r>
-              <a:rPr lang="pt-BR" dirty="0"/>
+              <a:rPr lang="pt-BR" sz="1600" dirty="0"/>
               <a:t>Redes sociais com modelos pessoais inalcançáveis</a:t>
             </a:r>
           </a:p>
@@ -4345,10 +4289,10 @@
       </p:sp>
       <p:sp>
         <p:nvSpPr>
-          <p:cNvPr id="26" name="CaixaDeTexto 25">
-            <a:extLst>
-              <a:ext uri="{FF2B5EF4-FFF2-40B4-BE49-F238E27FC236}">
-                <a16:creationId xmlns:a16="http://schemas.microsoft.com/office/drawing/2014/main" id="{380D425E-248D-41CC-B8A6-DD725BDCCF44}"/>
+          <p:cNvPr id="28" name="CaixaDeTexto 27">
+            <a:extLst>
+              <a:ext uri="{FF2B5EF4-FFF2-40B4-BE49-F238E27FC236}">
+                <a16:creationId xmlns:a16="http://schemas.microsoft.com/office/drawing/2014/main" id="{9B3275B1-0CF1-4CFC-A8DF-535ED5F7126D}"/>
               </a:ext>
             </a:extLst>
           </p:cNvPr>
@@ -4357,8 +4301,8 @@
         </p:nvSpPr>
         <p:spPr>
           <a:xfrm>
-            <a:off x="3446880" y="5742116"/>
-            <a:ext cx="2150163" cy="646331"/>
+            <a:off x="8941200" y="3469387"/>
+            <a:ext cx="2996965" cy="584775"/>
           </a:xfrm>
           <a:prstGeom prst="rect">
             <a:avLst/>
@@ -4373,18 +4317,23 @@
           <a:p>
             <a:pPr algn="ctr"/>
             <a:r>
-              <a:rPr lang="pt-BR" dirty="0"/>
-              <a:t>Tira fotos com os amigos e familiares</a:t>
-            </a:r>
-          </a:p>
-        </p:txBody>
-      </p:sp>
-      <p:sp>
-        <p:nvSpPr>
-          <p:cNvPr id="28" name="CaixaDeTexto 27">
-            <a:extLst>
-              <a:ext uri="{FF2B5EF4-FFF2-40B4-BE49-F238E27FC236}">
-                <a16:creationId xmlns:a16="http://schemas.microsoft.com/office/drawing/2014/main" id="{9B3275B1-0CF1-4CFC-A8DF-535ED5F7126D}"/>
+              <a:rPr lang="pt-BR" sz="1600" dirty="0"/>
+              <a:t>Fotos com os amigos se perdendo em meio a galeria do </a:t>
+            </a:r>
+            <a:r>
+              <a:rPr lang="pt-BR" sz="1600" dirty="0" err="1"/>
+              <a:t>whatsapp</a:t>
+            </a:r>
+            <a:endParaRPr lang="pt-BR" sz="1600" dirty="0"/>
+          </a:p>
+        </p:txBody>
+      </p:sp>
+      <p:sp>
+        <p:nvSpPr>
+          <p:cNvPr id="20" name="CaixaDeTexto 26">
+            <a:extLst>
+              <a:ext uri="{FF2B5EF4-FFF2-40B4-BE49-F238E27FC236}">
+                <a16:creationId xmlns:a16="http://schemas.microsoft.com/office/drawing/2014/main" id="{622367C5-F544-478C-B57F-02702DE1A152}"/>
               </a:ext>
             </a:extLst>
           </p:cNvPr>
@@ -4393,8 +4342,8 @@
         </p:nvSpPr>
         <p:spPr>
           <a:xfrm>
-            <a:off x="8941200" y="3761588"/>
-            <a:ext cx="2996965" cy="923330"/>
+            <a:off x="484205" y="2238678"/>
+            <a:ext cx="2597778" cy="584775"/>
           </a:xfrm>
           <a:prstGeom prst="rect">
             <a:avLst/>
@@ -4409,20 +4358,40 @@
           <a:p>
             <a:pPr algn="ctr"/>
             <a:r>
-              <a:rPr lang="pt-BR" dirty="0"/>
-              <a:t>Fotos com os amigos se perdendo em meio a galeria do </a:t>
-            </a:r>
-            <a:r>
-              <a:rPr lang="pt-BR" dirty="0" err="1"/>
-              <a:t>whatsapp</a:t>
-            </a:r>
-            <a:endParaRPr lang="pt-BR" dirty="0"/>
-          </a:p>
-        </p:txBody>
-      </p:sp>
-      <p:sp>
-        <p:nvSpPr>
-          <p:cNvPr id="20" name="CaixaDeTexto 26">
+              <a:rPr lang="en-US" sz="1600" dirty="0" err="1"/>
+              <a:t>Pessoas</a:t>
+            </a:r>
+            <a:r>
+              <a:rPr lang="en-US" sz="1600" dirty="0"/>
+              <a:t> </a:t>
+            </a:r>
+            <a:r>
+              <a:rPr lang="en-US" sz="1600" dirty="0" err="1"/>
+              <a:t>falando</a:t>
+            </a:r>
+            <a:r>
+              <a:rPr lang="en-US" sz="1600" dirty="0"/>
+              <a:t> para </a:t>
+            </a:r>
+            <a:r>
+              <a:rPr lang="en-US" sz="1600" dirty="0" err="1"/>
+              <a:t>enviar</a:t>
+            </a:r>
+            <a:r>
+              <a:rPr lang="en-US" sz="1600" dirty="0"/>
+              <a:t> as </a:t>
+            </a:r>
+            <a:r>
+              <a:rPr lang="en-US" sz="1600" dirty="0" err="1"/>
+              <a:t>fotos</a:t>
+            </a:r>
+            <a:endParaRPr lang="pt-BR" sz="1600" dirty="0"/>
+          </a:p>
+        </p:txBody>
+      </p:sp>
+      <p:sp>
+        <p:nvSpPr>
+          <p:cNvPr id="24" name="CaixaDeTexto 26">
             <a:extLst>
               <a:ext uri="{FF2B5EF4-FFF2-40B4-BE49-F238E27FC236}">
                 <a16:creationId xmlns:a16="http://schemas.microsoft.com/office/drawing/2014/main" id="{622367C5-F544-478C-B57F-02702DE1A152}"/>
@@ -4434,8 +4403,8 @@
         </p:nvSpPr>
         <p:spPr>
           <a:xfrm>
-            <a:off x="484205" y="2548635"/>
-            <a:ext cx="2597778" cy="646331"/>
+            <a:off x="266739" y="3446350"/>
+            <a:ext cx="2969436" cy="830997"/>
           </a:xfrm>
           <a:prstGeom prst="rect">
             <a:avLst/>
@@ -4450,127 +4419,66 @@
           <a:p>
             <a:pPr algn="ctr"/>
             <a:r>
-              <a:rPr lang="en-US" dirty="0" err="1"/>
+              <a:rPr lang="en-US" sz="1600" dirty="0" err="1"/>
               <a:t>Pessoas</a:t>
             </a:r>
             <a:r>
-              <a:rPr lang="en-US" dirty="0"/>
+              <a:rPr lang="en-US" sz="1600" dirty="0"/>
+              <a:t> e </a:t>
+            </a:r>
+            <a:r>
+              <a:rPr lang="en-US" sz="1600" dirty="0" err="1"/>
+              <a:t>reportagens</a:t>
+            </a:r>
+            <a:r>
+              <a:rPr lang="en-US" sz="1600" dirty="0"/>
               <a:t> </a:t>
             </a:r>
             <a:r>
-              <a:rPr lang="en-US" dirty="0" err="1"/>
-              <a:t>pedindo</a:t>
-            </a:r>
-            <a:r>
-              <a:rPr lang="en-US" dirty="0"/>
-              <a:t> para </a:t>
-            </a:r>
-            <a:r>
-              <a:rPr lang="en-US" dirty="0" err="1"/>
-              <a:t>enviar</a:t>
-            </a:r>
-            <a:r>
-              <a:rPr lang="en-US" dirty="0"/>
-              <a:t> as </a:t>
-            </a:r>
-            <a:r>
-              <a:rPr lang="en-US" dirty="0" err="1"/>
-              <a:t>fotos</a:t>
-            </a:r>
-            <a:endParaRPr lang="pt-BR" dirty="0"/>
-          </a:p>
-        </p:txBody>
-      </p:sp>
-      <p:sp>
-        <p:nvSpPr>
-          <p:cNvPr id="24" name="CaixaDeTexto 26">
-            <a:extLst>
-              <a:ext uri="{FF2B5EF4-FFF2-40B4-BE49-F238E27FC236}">
-                <a16:creationId xmlns:a16="http://schemas.microsoft.com/office/drawing/2014/main" id="{622367C5-F544-478C-B57F-02702DE1A152}"/>
-              </a:ext>
-            </a:extLst>
-          </p:cNvPr>
-          <p:cNvSpPr txBox="1"/>
-          <p:nvPr/>
-        </p:nvSpPr>
-        <p:spPr>
-          <a:xfrm>
-            <a:off x="266739" y="3756307"/>
-            <a:ext cx="2969436" cy="923330"/>
-          </a:xfrm>
-          <a:prstGeom prst="rect">
-            <a:avLst/>
-          </a:prstGeom>
-          <a:noFill/>
-        </p:spPr>
-        <p:txBody>
-          <a:bodyPr wrap="square" rtlCol="0">
-            <a:spAutoFit/>
-          </a:bodyPr>
-          <a:lstStyle/>
-          <a:p>
-            <a:pPr algn="ctr"/>
-            <a:r>
-              <a:rPr lang="en-US" dirty="0" err="1"/>
-              <a:t>Pessoas</a:t>
-            </a:r>
-            <a:r>
-              <a:rPr lang="en-US" dirty="0"/>
-              <a:t> e </a:t>
-            </a:r>
-            <a:r>
-              <a:rPr lang="en-US" dirty="0" err="1"/>
-              <a:t>reportagens</a:t>
-            </a:r>
-            <a:r>
-              <a:rPr lang="en-US" dirty="0"/>
+              <a:rPr lang="en-US" sz="1600" dirty="0" err="1"/>
+              <a:t>falando</a:t>
+            </a:r>
+            <a:r>
+              <a:rPr lang="en-US" sz="1600" dirty="0"/>
               <a:t> </a:t>
             </a:r>
             <a:r>
-              <a:rPr lang="en-US" dirty="0" err="1"/>
-              <a:t>falando</a:t>
-            </a:r>
-            <a:r>
-              <a:rPr lang="en-US" dirty="0"/>
+              <a:rPr lang="en-US" sz="1600" dirty="0" err="1"/>
+              <a:t>sobre</a:t>
+            </a:r>
+            <a:r>
+              <a:rPr lang="en-US" sz="1600" dirty="0"/>
+              <a:t> a utopia </a:t>
+            </a:r>
+            <a:r>
+              <a:rPr lang="en-US" sz="1600" dirty="0" err="1"/>
+              <a:t>promovida</a:t>
+            </a:r>
+            <a:r>
+              <a:rPr lang="en-US" sz="1600" dirty="0"/>
               <a:t> </a:t>
             </a:r>
             <a:r>
-              <a:rPr lang="en-US" dirty="0" err="1"/>
-              <a:t>sobre</a:t>
-            </a:r>
-            <a:r>
-              <a:rPr lang="en-US" dirty="0"/>
-              <a:t> a utopia </a:t>
-            </a:r>
-            <a:r>
-              <a:rPr lang="en-US" dirty="0" err="1"/>
-              <a:t>promovida</a:t>
-            </a:r>
-            <a:r>
-              <a:rPr lang="en-US" dirty="0"/>
+              <a:rPr lang="en-US" sz="1600" dirty="0" err="1"/>
+              <a:t>pelas</a:t>
+            </a:r>
+            <a:r>
+              <a:rPr lang="en-US" sz="1600" dirty="0"/>
               <a:t> </a:t>
             </a:r>
             <a:r>
-              <a:rPr lang="en-US" dirty="0" err="1"/>
-              <a:t>pelas</a:t>
-            </a:r>
-            <a:r>
-              <a:rPr lang="en-US" dirty="0"/>
+              <a:rPr lang="en-US" sz="1600" dirty="0" err="1"/>
+              <a:t>redes</a:t>
+            </a:r>
+            <a:r>
+              <a:rPr lang="en-US" sz="1600" dirty="0"/>
               <a:t> </a:t>
             </a:r>
             <a:r>
-              <a:rPr lang="en-US" dirty="0" err="1"/>
-              <a:t>redes</a:t>
-            </a:r>
-            <a:r>
-              <a:rPr lang="en-US" dirty="0"/>
-              <a:t> </a:t>
-            </a:r>
-            <a:r>
-              <a:rPr lang="en-US" dirty="0" err="1"/>
+              <a:rPr lang="en-US" sz="1600" dirty="0" err="1"/>
               <a:t>sociais</a:t>
             </a:r>
-            <a:endParaRPr lang="pt-BR" dirty="0"/>
+            <a:endParaRPr lang="pt-BR" sz="1600" dirty="0"/>
           </a:p>
         </p:txBody>
       </p:sp>
@@ -4758,7 +4666,7 @@
           <a:lstStyle/>
           <a:p>
             <a:pPr algn="ctr"/>
-            <a:endParaRPr lang="pt-BR" dirty="0"/>
+            <a:endParaRPr lang="pt-BR" sz="1600" dirty="0"/>
           </a:p>
         </p:txBody>
       </p:sp>
@@ -4777,7 +4685,7 @@
         <p:spPr>
           <a:xfrm>
             <a:off x="4797888" y="1175006"/>
-            <a:ext cx="2838926" cy="646331"/>
+            <a:ext cx="2838926" cy="584775"/>
           </a:xfrm>
           <a:prstGeom prst="rect">
             <a:avLst/>
@@ -4792,107 +4700,10 @@
           <a:p>
             <a:pPr algn="ctr"/>
             <a:r>
-              <a:rPr lang="pt-BR" dirty="0"/>
+              <a:rPr lang="pt-BR" sz="1600" dirty="0"/>
               <a:t>Quer recordar momentos com seus amigos e família</a:t>
             </a:r>
-            <a:endParaRPr lang="pt-BR" i="1" dirty="0"/>
-          </a:p>
-        </p:txBody>
-      </p:sp>
-      <p:sp>
-        <p:nvSpPr>
-          <p:cNvPr id="34" name="Retângulo 33">
-            <a:extLst>
-              <a:ext uri="{FF2B5EF4-FFF2-40B4-BE49-F238E27FC236}">
-                <a16:creationId xmlns:a16="http://schemas.microsoft.com/office/drawing/2014/main" id="{710DE18C-7AAA-48ED-BF4C-BB2C22E89D2B}"/>
-              </a:ext>
-            </a:extLst>
-          </p:cNvPr>
-          <p:cNvSpPr/>
-          <p:nvPr/>
-        </p:nvSpPr>
-        <p:spPr>
-          <a:xfrm>
-            <a:off x="6231549" y="5498240"/>
-            <a:ext cx="2860697" cy="1134084"/>
-          </a:xfrm>
-          <a:prstGeom prst="rect">
-            <a:avLst/>
-          </a:prstGeom>
-          <a:solidFill>
-            <a:srgbClr val="F9EA8F"/>
-          </a:solidFill>
-          <a:ln>
-            <a:solidFill>
-              <a:schemeClr val="bg1">
-                <a:lumMod val="95000"/>
-              </a:schemeClr>
-            </a:solidFill>
-          </a:ln>
-        </p:spPr>
-        <p:style>
-          <a:lnRef idx="2">
-            <a:schemeClr val="accent1">
-              <a:shade val="50000"/>
-            </a:schemeClr>
-          </a:lnRef>
-          <a:fillRef idx="1">
-            <a:schemeClr val="accent1"/>
-          </a:fillRef>
-          <a:effectRef idx="0">
-            <a:schemeClr val="accent1"/>
-          </a:effectRef>
-          <a:fontRef idx="minor">
-            <a:schemeClr val="lt1"/>
-          </a:fontRef>
-        </p:style>
-        <p:txBody>
-          <a:bodyPr rtlCol="0" anchor="ctr"/>
-          <a:lstStyle/>
-          <a:p>
-            <a:pPr algn="ctr"/>
-            <a:endParaRPr lang="pt-BR" dirty="0"/>
-          </a:p>
-        </p:txBody>
-      </p:sp>
-      <p:sp>
-        <p:nvSpPr>
-          <p:cNvPr id="27" name="CaixaDeTexto 26">
-            <a:extLst>
-              <a:ext uri="{FF2B5EF4-FFF2-40B4-BE49-F238E27FC236}">
-                <a16:creationId xmlns:a16="http://schemas.microsoft.com/office/drawing/2014/main" id="{622367C5-F544-478C-B57F-02702DE1A152}"/>
-              </a:ext>
-            </a:extLst>
-          </p:cNvPr>
-          <p:cNvSpPr txBox="1"/>
-          <p:nvPr/>
-        </p:nvSpPr>
-        <p:spPr>
-          <a:xfrm>
-            <a:off x="6363008" y="5721875"/>
-            <a:ext cx="2597778" cy="646331"/>
-          </a:xfrm>
-          <a:prstGeom prst="rect">
-            <a:avLst/>
-          </a:prstGeom>
-          <a:noFill/>
-        </p:spPr>
-        <p:txBody>
-          <a:bodyPr wrap="square" rtlCol="0">
-            <a:spAutoFit/>
-          </a:bodyPr>
-          <a:lstStyle/>
-          <a:p>
-            <a:pPr algn="ctr"/>
-            <a:r>
-              <a:rPr lang="pt-BR" dirty="0"/>
-              <a:t>Pede pra mandar as fotos no grupo do </a:t>
-            </a:r>
-            <a:r>
-              <a:rPr lang="pt-BR" dirty="0" err="1"/>
-              <a:t>whatsapp</a:t>
-            </a:r>
-            <a:endParaRPr lang="pt-BR" dirty="0"/>
+            <a:endParaRPr lang="pt-BR" sz="1600" i="1" dirty="0"/>
           </a:p>
         </p:txBody>
       </p:sp>
@@ -5065,10 +4876,610 @@
           </a:extLst>
         </p:spPr>
       </p:pic>
+      <p:grpSp>
+        <p:nvGrpSpPr>
+          <p:cNvPr id="4" name="Agrupar 3">
+            <a:extLst>
+              <a:ext uri="{FF2B5EF4-FFF2-40B4-BE49-F238E27FC236}">
+                <a16:creationId xmlns:a16="http://schemas.microsoft.com/office/drawing/2014/main" id="{ADD158FE-412F-4888-A979-F4E6769FDBE1}"/>
+              </a:ext>
+            </a:extLst>
+          </p:cNvPr>
+          <p:cNvGrpSpPr/>
+          <p:nvPr/>
+        </p:nvGrpSpPr>
+        <p:grpSpPr>
+          <a:xfrm>
+            <a:off x="3714151" y="4710145"/>
+            <a:ext cx="2152073" cy="698999"/>
+            <a:chOff x="3444970" y="4769088"/>
+            <a:chExt cx="2152073" cy="879030"/>
+          </a:xfrm>
+        </p:grpSpPr>
+        <p:sp>
+          <p:nvSpPr>
+            <p:cNvPr id="37" name="Retângulo 36">
+              <a:extLst>
+                <a:ext uri="{FF2B5EF4-FFF2-40B4-BE49-F238E27FC236}">
+                  <a16:creationId xmlns:a16="http://schemas.microsoft.com/office/drawing/2014/main" id="{0D7F4992-168F-4204-994D-FF2647340395}"/>
+                </a:ext>
+              </a:extLst>
+            </p:cNvPr>
+            <p:cNvSpPr/>
+            <p:nvPr/>
+          </p:nvSpPr>
+          <p:spPr>
+            <a:xfrm>
+              <a:off x="3444970" y="4769088"/>
+              <a:ext cx="2088002" cy="879030"/>
+            </a:xfrm>
+            <a:prstGeom prst="rect">
+              <a:avLst/>
+            </a:prstGeom>
+            <a:solidFill>
+              <a:srgbClr val="F9EA8F"/>
+            </a:solidFill>
+            <a:ln>
+              <a:solidFill>
+                <a:schemeClr val="bg1">
+                  <a:lumMod val="95000"/>
+                </a:schemeClr>
+              </a:solidFill>
+            </a:ln>
+          </p:spPr>
+          <p:style>
+            <a:lnRef idx="2">
+              <a:schemeClr val="accent1">
+                <a:shade val="50000"/>
+              </a:schemeClr>
+            </a:lnRef>
+            <a:fillRef idx="1">
+              <a:schemeClr val="accent1"/>
+            </a:fillRef>
+            <a:effectRef idx="0">
+              <a:schemeClr val="accent1"/>
+            </a:effectRef>
+            <a:fontRef idx="minor">
+              <a:schemeClr val="lt1"/>
+            </a:fontRef>
+          </p:style>
+          <p:txBody>
+            <a:bodyPr rtlCol="0" anchor="ctr"/>
+            <a:lstStyle/>
+            <a:p>
+              <a:pPr algn="ctr"/>
+              <a:endParaRPr lang="pt-BR" sz="1600" dirty="0"/>
+            </a:p>
+          </p:txBody>
+        </p:sp>
+        <p:sp>
+          <p:nvSpPr>
+            <p:cNvPr id="26" name="CaixaDeTexto 25">
+              <a:extLst>
+                <a:ext uri="{FF2B5EF4-FFF2-40B4-BE49-F238E27FC236}">
+                  <a16:creationId xmlns:a16="http://schemas.microsoft.com/office/drawing/2014/main" id="{380D425E-248D-41CC-B8A6-DD725BDCCF44}"/>
+                </a:ext>
+              </a:extLst>
+            </p:cNvPr>
+            <p:cNvSpPr txBox="1"/>
+            <p:nvPr/>
+          </p:nvSpPr>
+          <p:spPr>
+            <a:xfrm>
+              <a:off x="3446880" y="4793996"/>
+              <a:ext cx="2150163" cy="735387"/>
+            </a:xfrm>
+            <a:prstGeom prst="rect">
+              <a:avLst/>
+            </a:prstGeom>
+            <a:noFill/>
+          </p:spPr>
+          <p:txBody>
+            <a:bodyPr wrap="square" rtlCol="0">
+              <a:spAutoFit/>
+            </a:bodyPr>
+            <a:lstStyle/>
+            <a:p>
+              <a:pPr algn="ctr"/>
+              <a:r>
+                <a:rPr lang="pt-BR" sz="1600" dirty="0"/>
+                <a:t>Tira fotos com os amigos e familiares</a:t>
+              </a:r>
+            </a:p>
+          </p:txBody>
+        </p:sp>
+      </p:grpSp>
+      <p:grpSp>
+        <p:nvGrpSpPr>
+          <p:cNvPr id="5" name="Agrupar 4">
+            <a:extLst>
+              <a:ext uri="{FF2B5EF4-FFF2-40B4-BE49-F238E27FC236}">
+                <a16:creationId xmlns:a16="http://schemas.microsoft.com/office/drawing/2014/main" id="{B46733F2-588F-4204-BF63-8AF7DC0463DA}"/>
+              </a:ext>
+            </a:extLst>
+          </p:cNvPr>
+          <p:cNvGrpSpPr/>
+          <p:nvPr/>
+        </p:nvGrpSpPr>
+        <p:grpSpPr>
+          <a:xfrm>
+            <a:off x="5956917" y="4700078"/>
+            <a:ext cx="2617364" cy="762046"/>
+            <a:chOff x="6343422" y="4960057"/>
+            <a:chExt cx="2617364" cy="762046"/>
+          </a:xfrm>
+        </p:grpSpPr>
+        <p:sp>
+          <p:nvSpPr>
+            <p:cNvPr id="34" name="Retângulo 33">
+              <a:extLst>
+                <a:ext uri="{FF2B5EF4-FFF2-40B4-BE49-F238E27FC236}">
+                  <a16:creationId xmlns:a16="http://schemas.microsoft.com/office/drawing/2014/main" id="{710DE18C-7AAA-48ED-BF4C-BB2C22E89D2B}"/>
+                </a:ext>
+              </a:extLst>
+            </p:cNvPr>
+            <p:cNvSpPr/>
+            <p:nvPr/>
+          </p:nvSpPr>
+          <p:spPr>
+            <a:xfrm>
+              <a:off x="6343422" y="4960057"/>
+              <a:ext cx="2597778" cy="762046"/>
+            </a:xfrm>
+            <a:prstGeom prst="rect">
+              <a:avLst/>
+            </a:prstGeom>
+            <a:solidFill>
+              <a:srgbClr val="F9EA8F"/>
+            </a:solidFill>
+            <a:ln>
+              <a:solidFill>
+                <a:schemeClr val="bg1">
+                  <a:lumMod val="95000"/>
+                </a:schemeClr>
+              </a:solidFill>
+            </a:ln>
+          </p:spPr>
+          <p:style>
+            <a:lnRef idx="2">
+              <a:schemeClr val="accent1">
+                <a:shade val="50000"/>
+              </a:schemeClr>
+            </a:lnRef>
+            <a:fillRef idx="1">
+              <a:schemeClr val="accent1"/>
+            </a:fillRef>
+            <a:effectRef idx="0">
+              <a:schemeClr val="accent1"/>
+            </a:effectRef>
+            <a:fontRef idx="minor">
+              <a:schemeClr val="lt1"/>
+            </a:fontRef>
+          </p:style>
+          <p:txBody>
+            <a:bodyPr rtlCol="0" anchor="ctr"/>
+            <a:lstStyle/>
+            <a:p>
+              <a:pPr algn="ctr"/>
+              <a:endParaRPr lang="pt-BR" sz="1600" dirty="0"/>
+            </a:p>
+          </p:txBody>
+        </p:sp>
+        <p:sp>
+          <p:nvSpPr>
+            <p:cNvPr id="27" name="CaixaDeTexto 26">
+              <a:extLst>
+                <a:ext uri="{FF2B5EF4-FFF2-40B4-BE49-F238E27FC236}">
+                  <a16:creationId xmlns:a16="http://schemas.microsoft.com/office/drawing/2014/main" id="{622367C5-F544-478C-B57F-02702DE1A152}"/>
+                </a:ext>
+              </a:extLst>
+            </p:cNvPr>
+            <p:cNvSpPr txBox="1"/>
+            <p:nvPr/>
+          </p:nvSpPr>
+          <p:spPr>
+            <a:xfrm>
+              <a:off x="6363008" y="4992723"/>
+              <a:ext cx="2597778" cy="584775"/>
+            </a:xfrm>
+            <a:prstGeom prst="rect">
+              <a:avLst/>
+            </a:prstGeom>
+            <a:noFill/>
+          </p:spPr>
+          <p:txBody>
+            <a:bodyPr wrap="square" rtlCol="0">
+              <a:spAutoFit/>
+            </a:bodyPr>
+            <a:lstStyle/>
+            <a:p>
+              <a:pPr algn="ctr"/>
+              <a:r>
+                <a:rPr lang="pt-BR" sz="1600" dirty="0"/>
+                <a:t>Pede pra mandar as fotos no grupo do </a:t>
+              </a:r>
+              <a:r>
+                <a:rPr lang="pt-BR" sz="1600" dirty="0" err="1"/>
+                <a:t>whatsapp</a:t>
+              </a:r>
+              <a:endParaRPr lang="pt-BR" sz="1600" dirty="0"/>
+            </a:p>
+          </p:txBody>
+        </p:sp>
+      </p:grpSp>
+      <p:sp>
+        <p:nvSpPr>
+          <p:cNvPr id="43" name="Retângulo 42">
+            <a:extLst>
+              <a:ext uri="{FF2B5EF4-FFF2-40B4-BE49-F238E27FC236}">
+                <a16:creationId xmlns:a16="http://schemas.microsoft.com/office/drawing/2014/main" id="{4FE2CF37-60EA-4F8C-8750-3EDA315A20DE}"/>
+              </a:ext>
+            </a:extLst>
+          </p:cNvPr>
+          <p:cNvSpPr/>
+          <p:nvPr/>
+        </p:nvSpPr>
+        <p:spPr>
+          <a:xfrm>
+            <a:off x="5141095" y="5704142"/>
+            <a:ext cx="913200" cy="461665"/>
+          </a:xfrm>
+          <a:prstGeom prst="rect">
+            <a:avLst/>
+          </a:prstGeom>
+          <a:noFill/>
+        </p:spPr>
+        <p:txBody>
+          <a:bodyPr wrap="none" lIns="91440" tIns="45720" rIns="91440" bIns="45720">
+            <a:spAutoFit/>
+          </a:bodyPr>
+          <a:lstStyle/>
+          <a:p>
+            <a:pPr algn="ctr"/>
+            <a:r>
+              <a:rPr lang="pt-BR" sz="2400" b="0" cap="none" spc="0" dirty="0">
+                <a:ln w="0"/>
+              </a:rPr>
+              <a:t>Dores</a:t>
+            </a:r>
+          </a:p>
+        </p:txBody>
+      </p:sp>
+      <p:cxnSp>
+        <p:nvCxnSpPr>
+          <p:cNvPr id="44" name="Conector reto 43">
+            <a:extLst>
+              <a:ext uri="{FF2B5EF4-FFF2-40B4-BE49-F238E27FC236}">
+                <a16:creationId xmlns:a16="http://schemas.microsoft.com/office/drawing/2014/main" id="{527BCA75-2D81-4812-ABEB-B8C1AFFCE2CE}"/>
+              </a:ext>
+            </a:extLst>
+          </p:cNvPr>
+          <p:cNvCxnSpPr>
+            <a:cxnSpLocks/>
+          </p:cNvCxnSpPr>
+          <p:nvPr/>
+        </p:nvCxnSpPr>
+        <p:spPr>
+          <a:xfrm flipV="1">
+            <a:off x="6090457" y="5870713"/>
+            <a:ext cx="0" cy="822529"/>
+          </a:xfrm>
+          <a:prstGeom prst="line">
+            <a:avLst/>
+          </a:prstGeom>
+          <a:ln w="28575">
+            <a:solidFill>
+              <a:srgbClr val="FFC000"/>
+            </a:solidFill>
+            <a:prstDash val="dash"/>
+          </a:ln>
+        </p:spPr>
+        <p:style>
+          <a:lnRef idx="1">
+            <a:schemeClr val="dk1"/>
+          </a:lnRef>
+          <a:fillRef idx="0">
+            <a:schemeClr val="dk1"/>
+          </a:fillRef>
+          <a:effectRef idx="0">
+            <a:schemeClr val="dk1"/>
+          </a:effectRef>
+          <a:fontRef idx="minor">
+            <a:schemeClr val="tx1"/>
+          </a:fontRef>
+        </p:style>
+      </p:cxnSp>
+      <p:cxnSp>
+        <p:nvCxnSpPr>
+          <p:cNvPr id="45" name="Conector reto 44">
+            <a:extLst>
+              <a:ext uri="{FF2B5EF4-FFF2-40B4-BE49-F238E27FC236}">
+                <a16:creationId xmlns:a16="http://schemas.microsoft.com/office/drawing/2014/main" id="{1F82571D-99F3-4C87-A904-1ABE40D8AD2D}"/>
+              </a:ext>
+            </a:extLst>
+          </p:cNvPr>
+          <p:cNvCxnSpPr>
+            <a:cxnSpLocks/>
+          </p:cNvCxnSpPr>
+          <p:nvPr/>
+        </p:nvCxnSpPr>
+        <p:spPr>
+          <a:xfrm flipH="1">
+            <a:off x="2097147" y="5704142"/>
+            <a:ext cx="7904348" cy="1"/>
+          </a:xfrm>
+          <a:prstGeom prst="line">
+            <a:avLst/>
+          </a:prstGeom>
+          <a:ln w="28575">
+            <a:solidFill>
+              <a:srgbClr val="FFC000"/>
+            </a:solidFill>
+            <a:prstDash val="dash"/>
+          </a:ln>
+        </p:spPr>
+        <p:style>
+          <a:lnRef idx="1">
+            <a:schemeClr val="dk1"/>
+          </a:lnRef>
+          <a:fillRef idx="0">
+            <a:schemeClr val="dk1"/>
+          </a:fillRef>
+          <a:effectRef idx="0">
+            <a:schemeClr val="dk1"/>
+          </a:effectRef>
+          <a:fontRef idx="minor">
+            <a:schemeClr val="tx1"/>
+          </a:fontRef>
+        </p:style>
+      </p:cxnSp>
+      <p:sp>
+        <p:nvSpPr>
+          <p:cNvPr id="46" name="Retângulo 45">
+            <a:extLst>
+              <a:ext uri="{FF2B5EF4-FFF2-40B4-BE49-F238E27FC236}">
+                <a16:creationId xmlns:a16="http://schemas.microsoft.com/office/drawing/2014/main" id="{3BA4513F-39E2-498D-86C9-9311606650BC}"/>
+              </a:ext>
+            </a:extLst>
+          </p:cNvPr>
+          <p:cNvSpPr/>
+          <p:nvPr/>
+        </p:nvSpPr>
+        <p:spPr>
+          <a:xfrm>
+            <a:off x="6091909" y="5704142"/>
+            <a:ext cx="1132041" cy="461665"/>
+          </a:xfrm>
+          <a:prstGeom prst="rect">
+            <a:avLst/>
+          </a:prstGeom>
+          <a:noFill/>
+        </p:spPr>
+        <p:txBody>
+          <a:bodyPr wrap="none" lIns="91440" tIns="45720" rIns="91440" bIns="45720">
+            <a:spAutoFit/>
+          </a:bodyPr>
+          <a:lstStyle/>
+          <a:p>
+            <a:pPr algn="ctr"/>
+            <a:r>
+              <a:rPr lang="pt-BR" sz="2400" b="0" cap="none" spc="0" dirty="0">
+                <a:ln w="0"/>
+              </a:rPr>
+              <a:t>Ganhos</a:t>
+            </a:r>
+          </a:p>
+        </p:txBody>
+      </p:sp>
+      <p:sp>
+        <p:nvSpPr>
+          <p:cNvPr id="50" name="Retângulo 49">
+            <a:extLst>
+              <a:ext uri="{FF2B5EF4-FFF2-40B4-BE49-F238E27FC236}">
+                <a16:creationId xmlns:a16="http://schemas.microsoft.com/office/drawing/2014/main" id="{42A70E19-C3DC-47AE-9E7E-F19AD5497334}"/>
+              </a:ext>
+            </a:extLst>
+          </p:cNvPr>
+          <p:cNvSpPr/>
+          <p:nvPr/>
+        </p:nvSpPr>
+        <p:spPr>
+          <a:xfrm>
+            <a:off x="7348052" y="5861936"/>
+            <a:ext cx="2860697" cy="890252"/>
+          </a:xfrm>
+          <a:prstGeom prst="rect">
+            <a:avLst/>
+          </a:prstGeom>
+          <a:solidFill>
+            <a:srgbClr val="F9EA8F"/>
+          </a:solidFill>
+          <a:ln>
+            <a:solidFill>
+              <a:schemeClr val="bg1">
+                <a:lumMod val="95000"/>
+              </a:schemeClr>
+            </a:solidFill>
+          </a:ln>
+        </p:spPr>
+        <p:style>
+          <a:lnRef idx="2">
+            <a:schemeClr val="accent1">
+              <a:shade val="50000"/>
+            </a:schemeClr>
+          </a:lnRef>
+          <a:fillRef idx="1">
+            <a:schemeClr val="accent1"/>
+          </a:fillRef>
+          <a:effectRef idx="0">
+            <a:schemeClr val="accent1"/>
+          </a:effectRef>
+          <a:fontRef idx="minor">
+            <a:schemeClr val="lt1"/>
+          </a:fontRef>
+        </p:style>
+        <p:txBody>
+          <a:bodyPr rtlCol="0" anchor="ctr"/>
+          <a:lstStyle/>
+          <a:p>
+            <a:pPr algn="ctr"/>
+            <a:endParaRPr lang="pt-BR" sz="1600" dirty="0"/>
+          </a:p>
+        </p:txBody>
+      </p:sp>
+      <p:sp>
+        <p:nvSpPr>
+          <p:cNvPr id="51" name="CaixaDeTexto 50">
+            <a:extLst>
+              <a:ext uri="{FF2B5EF4-FFF2-40B4-BE49-F238E27FC236}">
+                <a16:creationId xmlns:a16="http://schemas.microsoft.com/office/drawing/2014/main" id="{8C72AEF5-49DE-41CB-9AF6-3F37DDD0C44F}"/>
+              </a:ext>
+            </a:extLst>
+          </p:cNvPr>
+          <p:cNvSpPr txBox="1"/>
+          <p:nvPr/>
+        </p:nvSpPr>
+        <p:spPr>
+          <a:xfrm>
+            <a:off x="7348052" y="5820967"/>
+            <a:ext cx="2829315" cy="830997"/>
+          </a:xfrm>
+          <a:prstGeom prst="rect">
+            <a:avLst/>
+          </a:prstGeom>
+          <a:noFill/>
+        </p:spPr>
+        <p:txBody>
+          <a:bodyPr wrap="square" rtlCol="0">
+            <a:spAutoFit/>
+          </a:bodyPr>
+          <a:lstStyle/>
+          <a:p>
+            <a:pPr algn="ctr"/>
+            <a:r>
+              <a:rPr lang="pt-BR" sz="1600" dirty="0"/>
+              <a:t>Melhor gerenciamento de suas lembranças com quem realmente importa</a:t>
+            </a:r>
+          </a:p>
+        </p:txBody>
+      </p:sp>
+      <p:grpSp>
+        <p:nvGrpSpPr>
+          <p:cNvPr id="7" name="Agrupar 6">
+            <a:extLst>
+              <a:ext uri="{FF2B5EF4-FFF2-40B4-BE49-F238E27FC236}">
+                <a16:creationId xmlns:a16="http://schemas.microsoft.com/office/drawing/2014/main" id="{CB5B515E-6C32-4031-99C1-78ED89D45244}"/>
+              </a:ext>
+            </a:extLst>
+          </p:cNvPr>
+          <p:cNvGrpSpPr/>
+          <p:nvPr/>
+        </p:nvGrpSpPr>
+        <p:grpSpPr>
+          <a:xfrm>
+            <a:off x="2018317" y="5810663"/>
+            <a:ext cx="2860697" cy="1077218"/>
+            <a:chOff x="2258124" y="5798341"/>
+            <a:chExt cx="2860697" cy="1077218"/>
+          </a:xfrm>
+        </p:grpSpPr>
+        <p:sp>
+          <p:nvSpPr>
+            <p:cNvPr id="52" name="Retângulo 51">
+              <a:extLst>
+                <a:ext uri="{FF2B5EF4-FFF2-40B4-BE49-F238E27FC236}">
+                  <a16:creationId xmlns:a16="http://schemas.microsoft.com/office/drawing/2014/main" id="{8203D5B9-DAF4-4C7D-964F-B33357D9658C}"/>
+                </a:ext>
+              </a:extLst>
+            </p:cNvPr>
+            <p:cNvSpPr/>
+            <p:nvPr/>
+          </p:nvSpPr>
+          <p:spPr>
+            <a:xfrm>
+              <a:off x="2258124" y="5814800"/>
+              <a:ext cx="2860697" cy="1029610"/>
+            </a:xfrm>
+            <a:prstGeom prst="rect">
+              <a:avLst/>
+            </a:prstGeom>
+            <a:solidFill>
+              <a:srgbClr val="F9EA8F"/>
+            </a:solidFill>
+            <a:ln>
+              <a:solidFill>
+                <a:schemeClr val="bg1">
+                  <a:lumMod val="95000"/>
+                </a:schemeClr>
+              </a:solidFill>
+            </a:ln>
+          </p:spPr>
+          <p:style>
+            <a:lnRef idx="2">
+              <a:schemeClr val="accent1">
+                <a:shade val="50000"/>
+              </a:schemeClr>
+            </a:lnRef>
+            <a:fillRef idx="1">
+              <a:schemeClr val="accent1"/>
+            </a:fillRef>
+            <a:effectRef idx="0">
+              <a:schemeClr val="accent1"/>
+            </a:effectRef>
+            <a:fontRef idx="minor">
+              <a:schemeClr val="lt1"/>
+            </a:fontRef>
+          </p:style>
+          <p:txBody>
+            <a:bodyPr rtlCol="0" anchor="ctr"/>
+            <a:lstStyle/>
+            <a:p>
+              <a:pPr algn="ctr"/>
+              <a:endParaRPr lang="pt-BR" sz="1600" dirty="0"/>
+            </a:p>
+          </p:txBody>
+        </p:sp>
+        <p:sp>
+          <p:nvSpPr>
+            <p:cNvPr id="53" name="CaixaDeTexto 52">
+              <a:extLst>
+                <a:ext uri="{FF2B5EF4-FFF2-40B4-BE49-F238E27FC236}">
+                  <a16:creationId xmlns:a16="http://schemas.microsoft.com/office/drawing/2014/main" id="{F6A6076D-61FF-4FD7-B2E5-52530C504727}"/>
+                </a:ext>
+              </a:extLst>
+            </p:cNvPr>
+            <p:cNvSpPr txBox="1"/>
+            <p:nvPr/>
+          </p:nvSpPr>
+          <p:spPr>
+            <a:xfrm>
+              <a:off x="2258124" y="5798341"/>
+              <a:ext cx="2829315" cy="1077218"/>
+            </a:xfrm>
+            <a:prstGeom prst="rect">
+              <a:avLst/>
+            </a:prstGeom>
+            <a:noFill/>
+          </p:spPr>
+          <p:txBody>
+            <a:bodyPr wrap="square" rtlCol="0">
+              <a:spAutoFit/>
+            </a:bodyPr>
+            <a:lstStyle/>
+            <a:p>
+              <a:pPr algn="ctr"/>
+              <a:r>
+                <a:rPr lang="pt-BR" sz="1600" dirty="0"/>
+                <a:t>Quer compartilhar suas fotos com seus amigos, mas não gosta do ambiente agressivo das redes</a:t>
+              </a:r>
+            </a:p>
+          </p:txBody>
+        </p:sp>
+      </p:grpSp>
     </p:spTree>
     <p:extLst>
       <p:ext uri="{BB962C8B-B14F-4D97-AF65-F5344CB8AC3E}">
-        <p14:creationId xmlns:p14="http://schemas.microsoft.com/office/powerpoint/2010/main" val="2729364506"/>
+        <p14:creationId xmlns:p14="http://schemas.microsoft.com/office/powerpoint/2010/main" val="1753998885"/>
       </p:ext>
     </p:extLst>
   </p:cSld>
